--- a/PresentationFinalVersion.pptx
+++ b/PresentationFinalVersion.pptx
@@ -168,1326 +168,6 @@
 <file path=ppt/changesInfos/changesInfo1.xml><?xml version="1.0" encoding="utf-8"?>
 <pc:chgInfo xmlns:a="http://schemas.openxmlformats.org/drawingml/2006/main" xmlns:r="http://schemas.openxmlformats.org/officeDocument/2006/relationships" xmlns:ac="http://schemas.microsoft.com/office/drawing/2013/main/command" xmlns:pc="http://schemas.microsoft.com/office/powerpoint/2013/main/command">
   <pc:docChgLst>
-    <pc:chgData name="An, Jingyu" userId="S::2228416@johnabbottcollege.net::83674325-28b5-41cf-a768-8206d6ef2d63" providerId="AD" clId="Web-{A77BD34F-F167-4EBD-AF64-11D466089924}"/>
-    <pc:docChg chg="addSld delSld modSld sldOrd">
-      <pc:chgData name="An, Jingyu" userId="S::2228416@johnabbottcollege.net::83674325-28b5-41cf-a768-8206d6ef2d63" providerId="AD" clId="Web-{A77BD34F-F167-4EBD-AF64-11D466089924}" dt="2023-01-23T02:33:58.338" v="61"/>
-      <pc:docMkLst>
-        <pc:docMk/>
-      </pc:docMkLst>
-      <pc:sldChg chg="del">
-        <pc:chgData name="An, Jingyu" userId="S::2228416@johnabbottcollege.net::83674325-28b5-41cf-a768-8206d6ef2d63" providerId="AD" clId="Web-{A77BD34F-F167-4EBD-AF64-11D466089924}" dt="2023-01-23T02:25:34.958" v="47"/>
-        <pc:sldMkLst>
-          <pc:docMk/>
-          <pc:sldMk cId="1120956423" sldId="277"/>
-        </pc:sldMkLst>
-      </pc:sldChg>
-      <pc:sldChg chg="addSp modSp ord">
-        <pc:chgData name="An, Jingyu" userId="S::2228416@johnabbottcollege.net::83674325-28b5-41cf-a768-8206d6ef2d63" providerId="AD" clId="Web-{A77BD34F-F167-4EBD-AF64-11D466089924}" dt="2023-01-23T02:33:41.510" v="58"/>
-        <pc:sldMkLst>
-          <pc:docMk/>
-          <pc:sldMk cId="1139043464" sldId="279"/>
-        </pc:sldMkLst>
-        <pc:picChg chg="add mod">
-          <ac:chgData name="An, Jingyu" userId="S::2228416@johnabbottcollege.net::83674325-28b5-41cf-a768-8206d6ef2d63" providerId="AD" clId="Web-{A77BD34F-F167-4EBD-AF64-11D466089924}" dt="2023-01-23T02:21:59.256" v="16" actId="1076"/>
-          <ac:picMkLst>
-            <pc:docMk/>
-            <pc:sldMk cId="1139043464" sldId="279"/>
-            <ac:picMk id="2" creationId="{507BC0CF-4912-876A-D240-17A288E09CE1}"/>
-          </ac:picMkLst>
-        </pc:picChg>
-      </pc:sldChg>
-      <pc:sldChg chg="add ord">
-        <pc:chgData name="An, Jingyu" userId="S::2228416@johnabbottcollege.net::83674325-28b5-41cf-a768-8206d6ef2d63" providerId="AD" clId="Web-{A77BD34F-F167-4EBD-AF64-11D466089924}" dt="2023-01-23T02:33:58.338" v="61"/>
-        <pc:sldMkLst>
-          <pc:docMk/>
-          <pc:sldMk cId="1454451406" sldId="281"/>
-        </pc:sldMkLst>
-      </pc:sldChg>
-      <pc:sldChg chg="add ord">
-        <pc:chgData name="An, Jingyu" userId="S::2228416@johnabbottcollege.net::83674325-28b5-41cf-a768-8206d6ef2d63" providerId="AD" clId="Web-{A77BD34F-F167-4EBD-AF64-11D466089924}" dt="2023-01-23T02:33:56.103" v="60"/>
-        <pc:sldMkLst>
-          <pc:docMk/>
-          <pc:sldMk cId="974872934" sldId="282"/>
-        </pc:sldMkLst>
-      </pc:sldChg>
-      <pc:sldChg chg="addSp delSp modSp add ord">
-        <pc:chgData name="An, Jingyu" userId="S::2228416@johnabbottcollege.net::83674325-28b5-41cf-a768-8206d6ef2d63" providerId="AD" clId="Web-{A77BD34F-F167-4EBD-AF64-11D466089924}" dt="2023-01-23T02:33:21.479" v="57" actId="20577"/>
-        <pc:sldMkLst>
-          <pc:docMk/>
-          <pc:sldMk cId="3355991885" sldId="283"/>
-        </pc:sldMkLst>
-        <pc:spChg chg="add del mod">
-          <ac:chgData name="An, Jingyu" userId="S::2228416@johnabbottcollege.net::83674325-28b5-41cf-a768-8206d6ef2d63" providerId="AD" clId="Web-{A77BD34F-F167-4EBD-AF64-11D466089924}" dt="2023-01-23T02:24:52.318" v="29"/>
-          <ac:spMkLst>
-            <pc:docMk/>
-            <pc:sldMk cId="3355991885" sldId="283"/>
-            <ac:spMk id="3" creationId="{B2CA9243-0765-29F1-E65C-92C858C44659}"/>
-          </ac:spMkLst>
-        </pc:spChg>
-        <pc:spChg chg="mod">
-          <ac:chgData name="An, Jingyu" userId="S::2228416@johnabbottcollege.net::83674325-28b5-41cf-a768-8206d6ef2d63" providerId="AD" clId="Web-{A77BD34F-F167-4EBD-AF64-11D466089924}" dt="2023-01-23T02:33:21.479" v="57" actId="20577"/>
-          <ac:spMkLst>
-            <pc:docMk/>
-            <pc:sldMk cId="3355991885" sldId="283"/>
-            <ac:spMk id="8" creationId="{CE0778C9-624B-412C-B5F9-3F9B35308E3E}"/>
-          </ac:spMkLst>
-        </pc:spChg>
-        <pc:picChg chg="mod">
-          <ac:chgData name="An, Jingyu" userId="S::2228416@johnabbottcollege.net::83674325-28b5-41cf-a768-8206d6ef2d63" providerId="AD" clId="Web-{A77BD34F-F167-4EBD-AF64-11D466089924}" dt="2023-01-23T02:24:51.146" v="28" actId="1076"/>
-          <ac:picMkLst>
-            <pc:docMk/>
-            <pc:sldMk cId="3355991885" sldId="283"/>
-            <ac:picMk id="19" creationId="{7B91F230-CC8F-AF9F-74E8-ECF2BE37840F}"/>
-          </ac:picMkLst>
-        </pc:picChg>
-        <pc:picChg chg="add del">
-          <ac:chgData name="An, Jingyu" userId="S::2228416@johnabbottcollege.net::83674325-28b5-41cf-a768-8206d6ef2d63" providerId="AD" clId="Web-{A77BD34F-F167-4EBD-AF64-11D466089924}" dt="2023-01-23T02:24:52.318" v="29"/>
-          <ac:picMkLst>
-            <pc:docMk/>
-            <pc:sldMk cId="3355991885" sldId="283"/>
-            <ac:picMk id="22" creationId="{678BA761-F5EC-3FBA-FC59-A98CC049F834}"/>
-          </ac:picMkLst>
-        </pc:picChg>
-      </pc:sldChg>
-      <pc:sldChg chg="ord">
-        <pc:chgData name="An, Jingyu" userId="S::2228416@johnabbottcollege.net::83674325-28b5-41cf-a768-8206d6ef2d63" providerId="AD" clId="Web-{A77BD34F-F167-4EBD-AF64-11D466089924}" dt="2023-01-23T02:25:43.426" v="48"/>
-        <pc:sldMkLst>
-          <pc:docMk/>
-          <pc:sldMk cId="215583327" sldId="284"/>
-        </pc:sldMkLst>
-      </pc:sldChg>
-      <pc:sldChg chg="ord">
-        <pc:chgData name="An, Jingyu" userId="S::2228416@johnabbottcollege.net::83674325-28b5-41cf-a768-8206d6ef2d63" providerId="AD" clId="Web-{A77BD34F-F167-4EBD-AF64-11D466089924}" dt="2023-01-23T02:29:54.624" v="50"/>
-        <pc:sldMkLst>
-          <pc:docMk/>
-          <pc:sldMk cId="1561508570" sldId="285"/>
-        </pc:sldMkLst>
-      </pc:sldChg>
-      <pc:sldChg chg="ord">
-        <pc:chgData name="An, Jingyu" userId="S::2228416@johnabbottcollege.net::83674325-28b5-41cf-a768-8206d6ef2d63" providerId="AD" clId="Web-{A77BD34F-F167-4EBD-AF64-11D466089924}" dt="2023-01-23T02:33:51.947" v="59"/>
-        <pc:sldMkLst>
-          <pc:docMk/>
-          <pc:sldMk cId="3127272440" sldId="286"/>
-        </pc:sldMkLst>
-      </pc:sldChg>
-      <pc:sldChg chg="addSp delSp modSp">
-        <pc:chgData name="An, Jingyu" userId="S::2228416@johnabbottcollege.net::83674325-28b5-41cf-a768-8206d6ef2d63" providerId="AD" clId="Web-{A77BD34F-F167-4EBD-AF64-11D466089924}" dt="2023-01-23T02:23:27.101" v="23"/>
-        <pc:sldMkLst>
-          <pc:docMk/>
-          <pc:sldMk cId="3238066584" sldId="287"/>
-        </pc:sldMkLst>
-        <pc:spChg chg="add mod">
-          <ac:chgData name="An, Jingyu" userId="S::2228416@johnabbottcollege.net::83674325-28b5-41cf-a768-8206d6ef2d63" providerId="AD" clId="Web-{A77BD34F-F167-4EBD-AF64-11D466089924}" dt="2023-01-23T02:23:27.101" v="23"/>
-          <ac:spMkLst>
-            <pc:docMk/>
-            <pc:sldMk cId="3238066584" sldId="287"/>
-            <ac:spMk id="13" creationId="{CA535638-9E60-37E1-A18C-898BE079A987}"/>
-          </ac:spMkLst>
-        </pc:spChg>
-        <pc:picChg chg="del">
-          <ac:chgData name="An, Jingyu" userId="S::2228416@johnabbottcollege.net::83674325-28b5-41cf-a768-8206d6ef2d63" providerId="AD" clId="Web-{A77BD34F-F167-4EBD-AF64-11D466089924}" dt="2023-01-23T02:23:27.101" v="23"/>
-          <ac:picMkLst>
-            <pc:docMk/>
-            <pc:sldMk cId="3238066584" sldId="287"/>
-            <ac:picMk id="10" creationId="{460BC378-C70A-2E76-8397-AB2D967C934E}"/>
-          </ac:picMkLst>
-        </pc:picChg>
-        <pc:picChg chg="add mod">
-          <ac:chgData name="An, Jingyu" userId="S::2228416@johnabbottcollege.net::83674325-28b5-41cf-a768-8206d6ef2d63" providerId="AD" clId="Web-{A77BD34F-F167-4EBD-AF64-11D466089924}" dt="2023-01-23T02:23:23.788" v="22" actId="1076"/>
-          <ac:picMkLst>
-            <pc:docMk/>
-            <pc:sldMk cId="3238066584" sldId="287"/>
-            <ac:picMk id="11" creationId="{F42B5084-7A07-4F16-C3F1-A182302043C2}"/>
-          </ac:picMkLst>
-        </pc:picChg>
-      </pc:sldChg>
-    </pc:docChg>
-  </pc:docChgLst>
-  <pc:docChgLst>
-    <pc:chgData name="Loutfi, Patrick" userId="S::0373962@johnabbottcollege.net::836d6f16-c351-4597-8600-13c7ff7c5c3d" providerId="AD" clId="Web-{0FB169EE-66CA-4E17-8AF7-F2387A93C4A2}"/>
-    <pc:docChg chg="addSld delSld modSld">
-      <pc:chgData name="Loutfi, Patrick" userId="S::0373962@johnabbottcollege.net::836d6f16-c351-4597-8600-13c7ff7c5c3d" providerId="AD" clId="Web-{0FB169EE-66CA-4E17-8AF7-F2387A93C4A2}" dt="2023-01-23T02:51:54.663" v="606" actId="20577"/>
-      <pc:docMkLst>
-        <pc:docMk/>
-      </pc:docMkLst>
-      <pc:sldChg chg="modSp">
-        <pc:chgData name="Loutfi, Patrick" userId="S::0373962@johnabbottcollege.net::836d6f16-c351-4597-8600-13c7ff7c5c3d" providerId="AD" clId="Web-{0FB169EE-66CA-4E17-8AF7-F2387A93C4A2}" dt="2023-01-23T02:32:14.282" v="157" actId="20577"/>
-        <pc:sldMkLst>
-          <pc:docMk/>
-          <pc:sldMk cId="719325024" sldId="272"/>
-        </pc:sldMkLst>
-        <pc:spChg chg="mod">
-          <ac:chgData name="Loutfi, Patrick" userId="S::0373962@johnabbottcollege.net::836d6f16-c351-4597-8600-13c7ff7c5c3d" providerId="AD" clId="Web-{0FB169EE-66CA-4E17-8AF7-F2387A93C4A2}" dt="2023-01-23T02:32:09.532" v="155" actId="20577"/>
-          <ac:spMkLst>
-            <pc:docMk/>
-            <pc:sldMk cId="719325024" sldId="272"/>
-            <ac:spMk id="14" creationId="{2435A574-EC9F-4321-9CA3-5D765C30B3E2}"/>
-          </ac:spMkLst>
-        </pc:spChg>
-        <pc:spChg chg="mod">
-          <ac:chgData name="Loutfi, Patrick" userId="S::0373962@johnabbottcollege.net::836d6f16-c351-4597-8600-13c7ff7c5c3d" providerId="AD" clId="Web-{0FB169EE-66CA-4E17-8AF7-F2387A93C4A2}" dt="2023-01-23T02:32:14.282" v="157" actId="20577"/>
-          <ac:spMkLst>
-            <pc:docMk/>
-            <pc:sldMk cId="719325024" sldId="272"/>
-            <ac:spMk id="115" creationId="{D328ED67-05E4-4380-99B0-44D2DEB5311C}"/>
-          </ac:spMkLst>
-        </pc:spChg>
-      </pc:sldChg>
-      <pc:sldChg chg="modSp">
-        <pc:chgData name="Loutfi, Patrick" userId="S::0373962@johnabbottcollege.net::836d6f16-c351-4597-8600-13c7ff7c5c3d" providerId="AD" clId="Web-{0FB169EE-66CA-4E17-8AF7-F2387A93C4A2}" dt="2023-01-23T02:29:49.295" v="152" actId="20577"/>
-        <pc:sldMkLst>
-          <pc:docMk/>
-          <pc:sldMk cId="4244764810" sldId="276"/>
-        </pc:sldMkLst>
-        <pc:spChg chg="mod">
-          <ac:chgData name="Loutfi, Patrick" userId="S::0373962@johnabbottcollege.net::836d6f16-c351-4597-8600-13c7ff7c5c3d" providerId="AD" clId="Web-{0FB169EE-66CA-4E17-8AF7-F2387A93C4A2}" dt="2023-01-23T02:29:49.295" v="152" actId="20577"/>
-          <ac:spMkLst>
-            <pc:docMk/>
-            <pc:sldMk cId="4244764810" sldId="276"/>
-            <ac:spMk id="26" creationId="{CE9C5F90-E573-43D7-AC40-5AD946F4D032}"/>
-          </ac:spMkLst>
-        </pc:spChg>
-      </pc:sldChg>
-      <pc:sldChg chg="delSp">
-        <pc:chgData name="Loutfi, Patrick" userId="S::0373962@johnabbottcollege.net::836d6f16-c351-4597-8600-13c7ff7c5c3d" providerId="AD" clId="Web-{0FB169EE-66CA-4E17-8AF7-F2387A93C4A2}" dt="2023-01-23T02:22:12.586" v="1"/>
-        <pc:sldMkLst>
-          <pc:docMk/>
-          <pc:sldMk cId="1139043464" sldId="279"/>
-        </pc:sldMkLst>
-        <pc:picChg chg="del">
-          <ac:chgData name="Loutfi, Patrick" userId="S::0373962@johnabbottcollege.net::836d6f16-c351-4597-8600-13c7ff7c5c3d" providerId="AD" clId="Web-{0FB169EE-66CA-4E17-8AF7-F2387A93C4A2}" dt="2023-01-23T02:22:12.586" v="1"/>
-          <ac:picMkLst>
-            <pc:docMk/>
-            <pc:sldMk cId="1139043464" sldId="279"/>
-            <ac:picMk id="2" creationId="{507BC0CF-4912-876A-D240-17A288E09CE1}"/>
-          </ac:picMkLst>
-        </pc:picChg>
-      </pc:sldChg>
-      <pc:sldChg chg="del">
-        <pc:chgData name="Loutfi, Patrick" userId="S::0373962@johnabbottcollege.net::836d6f16-c351-4597-8600-13c7ff7c5c3d" providerId="AD" clId="Web-{0FB169EE-66CA-4E17-8AF7-F2387A93C4A2}" dt="2023-01-23T02:31:05.343" v="154"/>
-        <pc:sldMkLst>
-          <pc:docMk/>
-          <pc:sldMk cId="3812800835" sldId="280"/>
-        </pc:sldMkLst>
-      </pc:sldChg>
-      <pc:sldChg chg="modSp">
-        <pc:chgData name="Loutfi, Patrick" userId="S::0373962@johnabbottcollege.net::836d6f16-c351-4597-8600-13c7ff7c5c3d" providerId="AD" clId="Web-{0FB169EE-66CA-4E17-8AF7-F2387A93C4A2}" dt="2023-01-23T02:30:44.234" v="153" actId="20577"/>
-        <pc:sldMkLst>
-          <pc:docMk/>
-          <pc:sldMk cId="3355991885" sldId="283"/>
-        </pc:sldMkLst>
-        <pc:spChg chg="mod">
-          <ac:chgData name="Loutfi, Patrick" userId="S::0373962@johnabbottcollege.net::836d6f16-c351-4597-8600-13c7ff7c5c3d" providerId="AD" clId="Web-{0FB169EE-66CA-4E17-8AF7-F2387A93C4A2}" dt="2023-01-23T02:30:44.234" v="153" actId="20577"/>
-          <ac:spMkLst>
-            <pc:docMk/>
-            <pc:sldMk cId="3355991885" sldId="283"/>
-            <ac:spMk id="8" creationId="{CE0778C9-624B-412C-B5F9-3F9B35308E3E}"/>
-          </ac:spMkLst>
-        </pc:spChg>
-      </pc:sldChg>
-      <pc:sldChg chg="addSp delSp modSp new mod modClrScheme chgLayout">
-        <pc:chgData name="Loutfi, Patrick" userId="S::0373962@johnabbottcollege.net::836d6f16-c351-4597-8600-13c7ff7c5c3d" providerId="AD" clId="Web-{0FB169EE-66CA-4E17-8AF7-F2387A93C4A2}" dt="2023-01-23T02:24:08.462" v="37"/>
-        <pc:sldMkLst>
-          <pc:docMk/>
-          <pc:sldMk cId="3238066584" sldId="287"/>
-        </pc:sldMkLst>
-        <pc:spChg chg="del">
-          <ac:chgData name="Loutfi, Patrick" userId="S::0373962@johnabbottcollege.net::836d6f16-c351-4597-8600-13c7ff7c5c3d" providerId="AD" clId="Web-{0FB169EE-66CA-4E17-8AF7-F2387A93C4A2}" dt="2023-01-23T02:22:19.789" v="2"/>
-          <ac:spMkLst>
-            <pc:docMk/>
-            <pc:sldMk cId="3238066584" sldId="287"/>
-            <ac:spMk id="2" creationId="{0EC88ECE-95FB-BE5C-8954-998F1B1EC107}"/>
-          </ac:spMkLst>
-        </pc:spChg>
-        <pc:spChg chg="add del">
-          <ac:chgData name="Loutfi, Patrick" userId="S::0373962@johnabbottcollege.net::836d6f16-c351-4597-8600-13c7ff7c5c3d" providerId="AD" clId="Web-{0FB169EE-66CA-4E17-8AF7-F2387A93C4A2}" dt="2023-01-23T02:22:50.336" v="10"/>
-          <ac:spMkLst>
-            <pc:docMk/>
-            <pc:sldMk cId="3238066584" sldId="287"/>
-            <ac:spMk id="3" creationId="{B04513E4-A507-A093-4C28-FE03777F4069}"/>
-          </ac:spMkLst>
-        </pc:spChg>
-        <pc:spChg chg="add del">
-          <ac:chgData name="Loutfi, Patrick" userId="S::0373962@johnabbottcollege.net::836d6f16-c351-4597-8600-13c7ff7c5c3d" providerId="AD" clId="Web-{0FB169EE-66CA-4E17-8AF7-F2387A93C4A2}" dt="2023-01-23T02:22:52.102" v="11"/>
-          <ac:spMkLst>
-            <pc:docMk/>
-            <pc:sldMk cId="3238066584" sldId="287"/>
-            <ac:spMk id="4" creationId="{FE09A2BF-CD67-3556-D095-559E68BDB487}"/>
-          </ac:spMkLst>
-        </pc:spChg>
-        <pc:spChg chg="add del">
-          <ac:chgData name="Loutfi, Patrick" userId="S::0373962@johnabbottcollege.net::836d6f16-c351-4597-8600-13c7ff7c5c3d" providerId="AD" clId="Web-{0FB169EE-66CA-4E17-8AF7-F2387A93C4A2}" dt="2023-01-23T02:23:40.025" v="19"/>
-          <ac:spMkLst>
-            <pc:docMk/>
-            <pc:sldMk cId="3238066584" sldId="287"/>
-            <ac:spMk id="5" creationId="{182E93E9-38F9-30ED-BDEB-5DBFB1580DC9}"/>
-          </ac:spMkLst>
-        </pc:spChg>
-        <pc:spChg chg="add del">
-          <ac:chgData name="Loutfi, Patrick" userId="S::0373962@johnabbottcollege.net::836d6f16-c351-4597-8600-13c7ff7c5c3d" providerId="AD" clId="Web-{0FB169EE-66CA-4E17-8AF7-F2387A93C4A2}" dt="2023-01-23T02:22:47.961" v="9"/>
-          <ac:spMkLst>
-            <pc:docMk/>
-            <pc:sldMk cId="3238066584" sldId="287"/>
-            <ac:spMk id="6" creationId="{C150BC6B-8136-BEBD-21D9-64E3423CDEE6}"/>
-          </ac:spMkLst>
-        </pc:spChg>
-        <pc:spChg chg="add del">
-          <ac:chgData name="Loutfi, Patrick" userId="S::0373962@johnabbottcollege.net::836d6f16-c351-4597-8600-13c7ff7c5c3d" providerId="AD" clId="Web-{0FB169EE-66CA-4E17-8AF7-F2387A93C4A2}" dt="2023-01-23T02:23:40.025" v="19"/>
-          <ac:spMkLst>
-            <pc:docMk/>
-            <pc:sldMk cId="3238066584" sldId="287"/>
-            <ac:spMk id="7" creationId="{C1E22824-51E4-AEF6-E87F-0020E8335B3A}"/>
-          </ac:spMkLst>
-        </pc:spChg>
-        <pc:spChg chg="add del">
-          <ac:chgData name="Loutfi, Patrick" userId="S::0373962@johnabbottcollege.net::836d6f16-c351-4597-8600-13c7ff7c5c3d" providerId="AD" clId="Web-{0FB169EE-66CA-4E17-8AF7-F2387A93C4A2}" dt="2023-01-23T02:23:40.025" v="19"/>
-          <ac:spMkLst>
-            <pc:docMk/>
-            <pc:sldMk cId="3238066584" sldId="287"/>
-            <ac:spMk id="8" creationId="{BC3DAF44-807A-2B23-5D1D-17AD6A98B859}"/>
-          </ac:spMkLst>
-        </pc:spChg>
-        <pc:spChg chg="add del">
-          <ac:chgData name="Loutfi, Patrick" userId="S::0373962@johnabbottcollege.net::836d6f16-c351-4597-8600-13c7ff7c5c3d" providerId="AD" clId="Web-{0FB169EE-66CA-4E17-8AF7-F2387A93C4A2}" dt="2023-01-23T02:23:40.025" v="19"/>
-          <ac:spMkLst>
-            <pc:docMk/>
-            <pc:sldMk cId="3238066584" sldId="287"/>
-            <ac:spMk id="9" creationId="{6B632F09-BFFD-ADA2-E921-52BA98C007B0}"/>
-          </ac:spMkLst>
-        </pc:spChg>
-        <pc:spChg chg="del">
-          <ac:chgData name="Loutfi, Patrick" userId="S::0373962@johnabbottcollege.net::836d6f16-c351-4597-8600-13c7ff7c5c3d" providerId="AD" clId="Web-{0FB169EE-66CA-4E17-8AF7-F2387A93C4A2}" dt="2023-01-23T02:23:40.025" v="19"/>
-          <ac:spMkLst>
-            <pc:docMk/>
-            <pc:sldMk cId="3238066584" sldId="287"/>
-            <ac:spMk id="13" creationId="{CA535638-9E60-37E1-A18C-898BE079A987}"/>
-          </ac:spMkLst>
-        </pc:spChg>
-        <pc:spChg chg="add del mod">
-          <ac:chgData name="Loutfi, Patrick" userId="S::0373962@johnabbottcollege.net::836d6f16-c351-4597-8600-13c7ff7c5c3d" providerId="AD" clId="Web-{0FB169EE-66CA-4E17-8AF7-F2387A93C4A2}" dt="2023-01-23T02:22:40.539" v="7"/>
-          <ac:spMkLst>
-            <pc:docMk/>
-            <pc:sldMk cId="3238066584" sldId="287"/>
-            <ac:spMk id="15" creationId="{5C76C3DB-CB5E-C33D-E32A-B8D05F1A8E83}"/>
-          </ac:spMkLst>
-        </pc:spChg>
-        <pc:spChg chg="add del mod">
-          <ac:chgData name="Loutfi, Patrick" userId="S::0373962@johnabbottcollege.net::836d6f16-c351-4597-8600-13c7ff7c5c3d" providerId="AD" clId="Web-{0FB169EE-66CA-4E17-8AF7-F2387A93C4A2}" dt="2023-01-23T02:22:40.539" v="7"/>
-          <ac:spMkLst>
-            <pc:docMk/>
-            <pc:sldMk cId="3238066584" sldId="287"/>
-            <ac:spMk id="17" creationId="{A79D7D76-8132-DC18-8146-698CCE0238AC}"/>
-          </ac:spMkLst>
-        </pc:spChg>
-        <pc:spChg chg="add del mod">
-          <ac:chgData name="Loutfi, Patrick" userId="S::0373962@johnabbottcollege.net::836d6f16-c351-4597-8600-13c7ff7c5c3d" providerId="AD" clId="Web-{0FB169EE-66CA-4E17-8AF7-F2387A93C4A2}" dt="2023-01-23T02:23:49.384" v="22"/>
-          <ac:spMkLst>
-            <pc:docMk/>
-            <pc:sldMk cId="3238066584" sldId="287"/>
-            <ac:spMk id="18" creationId="{7590FFD0-BE50-56D7-D381-1DA876013B9C}"/>
-          </ac:spMkLst>
-        </pc:spChg>
-        <pc:spChg chg="add del mod">
-          <ac:chgData name="Loutfi, Patrick" userId="S::0373962@johnabbottcollege.net::836d6f16-c351-4597-8600-13c7ff7c5c3d" providerId="AD" clId="Web-{0FB169EE-66CA-4E17-8AF7-F2387A93C4A2}" dt="2023-01-23T02:22:40.539" v="7"/>
-          <ac:spMkLst>
-            <pc:docMk/>
-            <pc:sldMk cId="3238066584" sldId="287"/>
-            <ac:spMk id="19" creationId="{69A412AE-2C02-42E4-4863-8E8877A9A9D9}"/>
-          </ac:spMkLst>
-        </pc:spChg>
-        <pc:spChg chg="add del mod">
-          <ac:chgData name="Loutfi, Patrick" userId="S::0373962@johnabbottcollege.net::836d6f16-c351-4597-8600-13c7ff7c5c3d" providerId="AD" clId="Web-{0FB169EE-66CA-4E17-8AF7-F2387A93C4A2}" dt="2023-01-23T02:23:50.837" v="23"/>
-          <ac:spMkLst>
-            <pc:docMk/>
-            <pc:sldMk cId="3238066584" sldId="287"/>
-            <ac:spMk id="20" creationId="{5A2D0543-812C-5F59-51A4-581CC1EFAC1E}"/>
-          </ac:spMkLst>
-        </pc:spChg>
-        <pc:spChg chg="add del mod">
-          <ac:chgData name="Loutfi, Patrick" userId="S::0373962@johnabbottcollege.net::836d6f16-c351-4597-8600-13c7ff7c5c3d" providerId="AD" clId="Web-{0FB169EE-66CA-4E17-8AF7-F2387A93C4A2}" dt="2023-01-23T02:22:40.539" v="7"/>
-          <ac:spMkLst>
-            <pc:docMk/>
-            <pc:sldMk cId="3238066584" sldId="287"/>
-            <ac:spMk id="21" creationId="{3DE0E45D-B96E-246E-98BC-52A693F88759}"/>
-          </ac:spMkLst>
-        </pc:spChg>
-        <pc:spChg chg="add del mod">
-          <ac:chgData name="Loutfi, Patrick" userId="S::0373962@johnabbottcollege.net::836d6f16-c351-4597-8600-13c7ff7c5c3d" providerId="AD" clId="Web-{0FB169EE-66CA-4E17-8AF7-F2387A93C4A2}" dt="2023-01-23T02:23:47.712" v="21"/>
-          <ac:spMkLst>
-            <pc:docMk/>
-            <pc:sldMk cId="3238066584" sldId="287"/>
-            <ac:spMk id="22" creationId="{C1051FA3-B78B-CE70-1E0F-587E4E4ADE11}"/>
-          </ac:spMkLst>
-        </pc:spChg>
-        <pc:spChg chg="add del mod">
-          <ac:chgData name="Loutfi, Patrick" userId="S::0373962@johnabbottcollege.net::836d6f16-c351-4597-8600-13c7ff7c5c3d" providerId="AD" clId="Web-{0FB169EE-66CA-4E17-8AF7-F2387A93C4A2}" dt="2023-01-23T02:22:40.539" v="7"/>
-          <ac:spMkLst>
-            <pc:docMk/>
-            <pc:sldMk cId="3238066584" sldId="287"/>
-            <ac:spMk id="23" creationId="{D11E466F-95DB-EEC2-37A3-5F7216C1F248}"/>
-          </ac:spMkLst>
-        </pc:spChg>
-        <pc:spChg chg="add del mod">
-          <ac:chgData name="Loutfi, Patrick" userId="S::0373962@johnabbottcollege.net::836d6f16-c351-4597-8600-13c7ff7c5c3d" providerId="AD" clId="Web-{0FB169EE-66CA-4E17-8AF7-F2387A93C4A2}" dt="2023-01-23T02:23:46.556" v="20"/>
-          <ac:spMkLst>
-            <pc:docMk/>
-            <pc:sldMk cId="3238066584" sldId="287"/>
-            <ac:spMk id="24" creationId="{A6AF54D5-AB32-511C-2577-C54057EEF544}"/>
-          </ac:spMkLst>
-        </pc:spChg>
-        <pc:spChg chg="add del mod">
-          <ac:chgData name="Loutfi, Patrick" userId="S::0373962@johnabbottcollege.net::836d6f16-c351-4597-8600-13c7ff7c5c3d" providerId="AD" clId="Web-{0FB169EE-66CA-4E17-8AF7-F2387A93C4A2}" dt="2023-01-23T02:22:40.539" v="7"/>
-          <ac:spMkLst>
-            <pc:docMk/>
-            <pc:sldMk cId="3238066584" sldId="287"/>
-            <ac:spMk id="25" creationId="{58B028EE-B5C8-6B87-7182-4F32FF146C39}"/>
-          </ac:spMkLst>
-        </pc:spChg>
-        <pc:spChg chg="add mod">
-          <ac:chgData name="Loutfi, Patrick" userId="S::0373962@johnabbottcollege.net::836d6f16-c351-4597-8600-13c7ff7c5c3d" providerId="AD" clId="Web-{0FB169EE-66CA-4E17-8AF7-F2387A93C4A2}" dt="2023-01-23T02:24:04.806" v="36" actId="20577"/>
-          <ac:spMkLst>
-            <pc:docMk/>
-            <pc:sldMk cId="3238066584" sldId="287"/>
-            <ac:spMk id="26" creationId="{D7F13045-EDFF-8575-48F0-FD80907BF5F0}"/>
-          </ac:spMkLst>
-        </pc:spChg>
-        <pc:spChg chg="add del mod">
-          <ac:chgData name="Loutfi, Patrick" userId="S::0373962@johnabbottcollege.net::836d6f16-c351-4597-8600-13c7ff7c5c3d" providerId="AD" clId="Web-{0FB169EE-66CA-4E17-8AF7-F2387A93C4A2}" dt="2023-01-23T02:24:08.462" v="37"/>
-          <ac:spMkLst>
-            <pc:docMk/>
-            <pc:sldMk cId="3238066584" sldId="287"/>
-            <ac:spMk id="28" creationId="{1BA73EDE-F0B1-CA3D-D365-9D94982A55AD}"/>
-          </ac:spMkLst>
-        </pc:spChg>
-        <pc:picChg chg="add mod ord modCrop">
-          <ac:chgData name="Loutfi, Patrick" userId="S::0373962@johnabbottcollege.net::836d6f16-c351-4597-8600-13c7ff7c5c3d" providerId="AD" clId="Web-{0FB169EE-66CA-4E17-8AF7-F2387A93C4A2}" dt="2023-01-23T02:23:21.337" v="18" actId="1076"/>
-          <ac:picMkLst>
-            <pc:docMk/>
-            <pc:sldMk cId="3238066584" sldId="287"/>
-            <ac:picMk id="10" creationId="{460BC378-C70A-2E76-8397-AB2D967C934E}"/>
-          </ac:picMkLst>
-        </pc:picChg>
-        <pc:picChg chg="mod">
-          <ac:chgData name="Loutfi, Patrick" userId="S::0373962@johnabbottcollege.net::836d6f16-c351-4597-8600-13c7ff7c5c3d" providerId="AD" clId="Web-{0FB169EE-66CA-4E17-8AF7-F2387A93C4A2}" dt="2023-01-23T02:23:40.025" v="19"/>
-          <ac:picMkLst>
-            <pc:docMk/>
-            <pc:sldMk cId="3238066584" sldId="287"/>
-            <ac:picMk id="11" creationId="{F42B5084-7A07-4F16-C3F1-A182302043C2}"/>
-          </ac:picMkLst>
-        </pc:picChg>
-      </pc:sldChg>
-      <pc:sldChg chg="new del">
-        <pc:chgData name="Loutfi, Patrick" userId="S::0373962@johnabbottcollege.net::836d6f16-c351-4597-8600-13c7ff7c5c3d" providerId="AD" clId="Web-{0FB169EE-66CA-4E17-8AF7-F2387A93C4A2}" dt="2023-01-23T02:43:55.437" v="160"/>
-        <pc:sldMkLst>
-          <pc:docMk/>
-          <pc:sldMk cId="983462268" sldId="288"/>
-        </pc:sldMkLst>
-      </pc:sldChg>
-      <pc:sldChg chg="modSp add replId">
-        <pc:chgData name="Loutfi, Patrick" userId="S::0373962@johnabbottcollege.net::836d6f16-c351-4597-8600-13c7ff7c5c3d" providerId="AD" clId="Web-{0FB169EE-66CA-4E17-8AF7-F2387A93C4A2}" dt="2023-01-23T02:51:54.663" v="606" actId="20577"/>
-        <pc:sldMkLst>
-          <pc:docMk/>
-          <pc:sldMk cId="2711574802" sldId="289"/>
-        </pc:sldMkLst>
-        <pc:spChg chg="mod">
-          <ac:chgData name="Loutfi, Patrick" userId="S::0373962@johnabbottcollege.net::836d6f16-c351-4597-8600-13c7ff7c5c3d" providerId="AD" clId="Web-{0FB169EE-66CA-4E17-8AF7-F2387A93C4A2}" dt="2023-01-23T02:51:43.709" v="604" actId="20577"/>
-          <ac:spMkLst>
-            <pc:docMk/>
-            <pc:sldMk cId="2711574802" sldId="289"/>
-            <ac:spMk id="3" creationId="{8662971D-AD7E-9A6B-9B02-23513812C4FD}"/>
-          </ac:spMkLst>
-        </pc:spChg>
-        <pc:spChg chg="mod">
-          <ac:chgData name="Loutfi, Patrick" userId="S::0373962@johnabbottcollege.net::836d6f16-c351-4597-8600-13c7ff7c5c3d" providerId="AD" clId="Web-{0FB169EE-66CA-4E17-8AF7-F2387A93C4A2}" dt="2023-01-23T02:51:54.663" v="606" actId="20577"/>
-          <ac:spMkLst>
-            <pc:docMk/>
-            <pc:sldMk cId="2711574802" sldId="289"/>
-            <ac:spMk id="6" creationId="{46989CFE-14FA-81FB-D6DE-082128438138}"/>
-          </ac:spMkLst>
-        </pc:spChg>
-        <pc:spChg chg="mod">
-          <ac:chgData name="Loutfi, Patrick" userId="S::0373962@johnabbottcollege.net::836d6f16-c351-4597-8600-13c7ff7c5c3d" providerId="AD" clId="Web-{0FB169EE-66CA-4E17-8AF7-F2387A93C4A2}" dt="2023-01-23T02:47:13.206" v="385"/>
-          <ac:spMkLst>
-            <pc:docMk/>
-            <pc:sldMk cId="2711574802" sldId="289"/>
-            <ac:spMk id="32" creationId="{B16388D3-BE48-44F4-A6D7-DDF229373084}"/>
-          </ac:spMkLst>
-        </pc:spChg>
-        <pc:spChg chg="mod">
-          <ac:chgData name="Loutfi, Patrick" userId="S::0373962@johnabbottcollege.net::836d6f16-c351-4597-8600-13c7ff7c5c3d" providerId="AD" clId="Web-{0FB169EE-66CA-4E17-8AF7-F2387A93C4A2}" dt="2023-01-23T02:44:24.328" v="186" actId="14100"/>
-          <ac:spMkLst>
-            <pc:docMk/>
-            <pc:sldMk cId="2711574802" sldId="289"/>
-            <ac:spMk id="86" creationId="{FD30442A-A1AE-4FD1-B045-22F09C71CB76}"/>
-          </ac:spMkLst>
-        </pc:spChg>
-      </pc:sldChg>
-    </pc:docChg>
-  </pc:docChgLst>
-  <pc:docChgLst>
-    <pc:chgData name="P L" userId="556282e3752c74c5" providerId="LiveId" clId="{673FF5AA-BC8A-40B1-B243-5C41C98D4BAA}"/>
-    <pc:docChg chg="undo custSel addSld delSld modSld sldOrd addSection delSection">
-      <pc:chgData name="P L" userId="556282e3752c74c5" providerId="LiveId" clId="{673FF5AA-BC8A-40B1-B243-5C41C98D4BAA}" dt="2023-01-23T02:00:34.256" v="3390" actId="20577"/>
-      <pc:docMkLst>
-        <pc:docMk/>
-      </pc:docMkLst>
-      <pc:sldChg chg="addSp delSp modSp mod">
-        <pc:chgData name="P L" userId="556282e3752c74c5" providerId="LiveId" clId="{673FF5AA-BC8A-40B1-B243-5C41C98D4BAA}" dt="2023-01-23T01:21:07.376" v="2670" actId="255"/>
-        <pc:sldMkLst>
-          <pc:docMk/>
-          <pc:sldMk cId="719325024" sldId="272"/>
-        </pc:sldMkLst>
-        <pc:spChg chg="add del mod">
-          <ac:chgData name="P L" userId="556282e3752c74c5" providerId="LiveId" clId="{673FF5AA-BC8A-40B1-B243-5C41C98D4BAA}" dt="2023-01-23T01:12:24.211" v="2360" actId="478"/>
-          <ac:spMkLst>
-            <pc:docMk/>
-            <pc:sldMk cId="719325024" sldId="272"/>
-            <ac:spMk id="3" creationId="{642AC721-D170-F00C-DADF-97B7CA49135D}"/>
-          </ac:spMkLst>
-        </pc:spChg>
-        <pc:spChg chg="add del mod">
-          <ac:chgData name="P L" userId="556282e3752c74c5" providerId="LiveId" clId="{673FF5AA-BC8A-40B1-B243-5C41C98D4BAA}" dt="2023-01-23T01:12:41.108" v="2362" actId="478"/>
-          <ac:spMkLst>
-            <pc:docMk/>
-            <pc:sldMk cId="719325024" sldId="272"/>
-            <ac:spMk id="5" creationId="{AA07D0D6-11A3-3A17-3A7F-25DDC2B7E830}"/>
-          </ac:spMkLst>
-        </pc:spChg>
-        <pc:spChg chg="del">
-          <ac:chgData name="P L" userId="556282e3752c74c5" providerId="LiveId" clId="{673FF5AA-BC8A-40B1-B243-5C41C98D4BAA}" dt="2023-01-23T01:12:22.237" v="2359" actId="478"/>
-          <ac:spMkLst>
-            <pc:docMk/>
-            <pc:sldMk cId="719325024" sldId="272"/>
-            <ac:spMk id="11" creationId="{8F457663-49C5-4FE7-93F7-6D408078AC66}"/>
-          </ac:spMkLst>
-        </pc:spChg>
-        <pc:spChg chg="add del mod">
-          <ac:chgData name="P L" userId="556282e3752c74c5" providerId="LiveId" clId="{673FF5AA-BC8A-40B1-B243-5C41C98D4BAA}" dt="2023-01-23T01:18:12.140" v="2641" actId="478"/>
-          <ac:spMkLst>
-            <pc:docMk/>
-            <pc:sldMk cId="719325024" sldId="272"/>
-            <ac:spMk id="12" creationId="{D0E6F25B-142C-6B3A-B19C-7672DA300ED7}"/>
-          </ac:spMkLst>
-        </pc:spChg>
-        <pc:spChg chg="mod">
-          <ac:chgData name="P L" userId="556282e3752c74c5" providerId="LiveId" clId="{673FF5AA-BC8A-40B1-B243-5C41C98D4BAA}" dt="2023-01-23T01:21:07.376" v="2670" actId="255"/>
-          <ac:spMkLst>
-            <pc:docMk/>
-            <pc:sldMk cId="719325024" sldId="272"/>
-            <ac:spMk id="14" creationId="{2435A574-EC9F-4321-9CA3-5D765C30B3E2}"/>
-          </ac:spMkLst>
-        </pc:spChg>
-        <pc:spChg chg="add del mod">
-          <ac:chgData name="P L" userId="556282e3752c74c5" providerId="LiveId" clId="{673FF5AA-BC8A-40B1-B243-5C41C98D4BAA}" dt="2023-01-23T01:18:14.932" v="2643" actId="478"/>
-          <ac:spMkLst>
-            <pc:docMk/>
-            <pc:sldMk cId="719325024" sldId="272"/>
-            <ac:spMk id="15" creationId="{2949BEB4-D031-76EC-7FBF-3B98F6AF7661}"/>
-          </ac:spMkLst>
-        </pc:spChg>
-        <pc:spChg chg="del">
-          <ac:chgData name="P L" userId="556282e3752c74c5" providerId="LiveId" clId="{673FF5AA-BC8A-40B1-B243-5C41C98D4BAA}" dt="2023-01-23T01:18:13.773" v="2642" actId="478"/>
-          <ac:spMkLst>
-            <pc:docMk/>
-            <pc:sldMk cId="719325024" sldId="272"/>
-            <ac:spMk id="22" creationId="{3F0CFD1C-F6E7-4B83-AB91-F24AF9E65390}"/>
-          </ac:spMkLst>
-        </pc:spChg>
-        <pc:spChg chg="del">
-          <ac:chgData name="P L" userId="556282e3752c74c5" providerId="LiveId" clId="{673FF5AA-BC8A-40B1-B243-5C41C98D4BAA}" dt="2023-01-23T01:18:09.477" v="2640" actId="478"/>
-          <ac:spMkLst>
-            <pc:docMk/>
-            <pc:sldMk cId="719325024" sldId="272"/>
-            <ac:spMk id="26" creationId="{DAB717E8-011C-4547-A6B4-B8F2FE4F15FD}"/>
-          </ac:spMkLst>
-        </pc:spChg>
-        <pc:spChg chg="mod">
-          <ac:chgData name="P L" userId="556282e3752c74c5" providerId="LiveId" clId="{673FF5AA-BC8A-40B1-B243-5C41C98D4BAA}" dt="2023-01-23T01:16:25.140" v="2591" actId="14100"/>
-          <ac:spMkLst>
-            <pc:docMk/>
-            <pc:sldMk cId="719325024" sldId="272"/>
-            <ac:spMk id="115" creationId="{D328ED67-05E4-4380-99B0-44D2DEB5311C}"/>
-          </ac:spMkLst>
-        </pc:spChg>
-        <pc:picChg chg="mod">
-          <ac:chgData name="P L" userId="556282e3752c74c5" providerId="LiveId" clId="{673FF5AA-BC8A-40B1-B243-5C41C98D4BAA}" dt="2023-01-23T01:12:56.343" v="2365" actId="14100"/>
-          <ac:picMkLst>
-            <pc:docMk/>
-            <pc:sldMk cId="719325024" sldId="272"/>
-            <ac:picMk id="7" creationId="{1E006552-A299-4408-9F54-B196F5056EA4}"/>
-          </ac:picMkLst>
-        </pc:picChg>
-        <pc:picChg chg="del">
-          <ac:chgData name="P L" userId="556282e3752c74c5" providerId="LiveId" clId="{673FF5AA-BC8A-40B1-B243-5C41C98D4BAA}" dt="2023-01-23T01:12:38.380" v="2361" actId="478"/>
-          <ac:picMkLst>
-            <pc:docMk/>
-            <pc:sldMk cId="719325024" sldId="272"/>
-            <ac:picMk id="8" creationId="{672E69F0-216F-41E3-A8BF-4C5DA81E1445}"/>
-          </ac:picMkLst>
-        </pc:picChg>
-        <pc:picChg chg="add mod">
-          <ac:chgData name="P L" userId="556282e3752c74c5" providerId="LiveId" clId="{673FF5AA-BC8A-40B1-B243-5C41C98D4BAA}" dt="2023-01-23T01:13:21.860" v="2370" actId="1076"/>
-          <ac:picMkLst>
-            <pc:docMk/>
-            <pc:sldMk cId="719325024" sldId="272"/>
-            <ac:picMk id="9" creationId="{41A56112-F44D-6534-1071-6A2C5713DEF6}"/>
-          </ac:picMkLst>
-        </pc:picChg>
-      </pc:sldChg>
-      <pc:sldChg chg="addSp delSp modSp mod">
-        <pc:chgData name="P L" userId="556282e3752c74c5" providerId="LiveId" clId="{673FF5AA-BC8A-40B1-B243-5C41C98D4BAA}" dt="2023-01-23T01:20:31.718" v="2669" actId="1076"/>
-        <pc:sldMkLst>
-          <pc:docMk/>
-          <pc:sldMk cId="2102125650" sldId="274"/>
-        </pc:sldMkLst>
-        <pc:spChg chg="del mod">
-          <ac:chgData name="P L" userId="556282e3752c74c5" providerId="LiveId" clId="{673FF5AA-BC8A-40B1-B243-5C41C98D4BAA}" dt="2023-01-23T00:26:30.089" v="1139" actId="478"/>
-          <ac:spMkLst>
-            <pc:docMk/>
-            <pc:sldMk cId="2102125650" sldId="274"/>
-            <ac:spMk id="2" creationId="{80C64EB9-E6EA-45AD-9476-BDDE89985057}"/>
-          </ac:spMkLst>
-        </pc:spChg>
-        <pc:spChg chg="add mod">
-          <ac:chgData name="P L" userId="556282e3752c74c5" providerId="LiveId" clId="{673FF5AA-BC8A-40B1-B243-5C41C98D4BAA}" dt="2023-01-23T00:27:22.688" v="1160" actId="20577"/>
-          <ac:spMkLst>
-            <pc:docMk/>
-            <pc:sldMk cId="2102125650" sldId="274"/>
-            <ac:spMk id="3" creationId="{8662971D-AD7E-9A6B-9B02-23513812C4FD}"/>
-          </ac:spMkLst>
-        </pc:spChg>
-        <pc:spChg chg="add del mod">
-          <ac:chgData name="P L" userId="556282e3752c74c5" providerId="LiveId" clId="{673FF5AA-BC8A-40B1-B243-5C41C98D4BAA}" dt="2023-01-23T00:26:33.752" v="1140" actId="478"/>
-          <ac:spMkLst>
-            <pc:docMk/>
-            <pc:sldMk cId="2102125650" sldId="274"/>
-            <ac:spMk id="5" creationId="{35F1248C-E4DF-FC27-6462-0B4B8B2D3358}"/>
-          </ac:spMkLst>
-        </pc:spChg>
-        <pc:spChg chg="add mod">
-          <ac:chgData name="P L" userId="556282e3752c74c5" providerId="LiveId" clId="{673FF5AA-BC8A-40B1-B243-5C41C98D4BAA}" dt="2023-01-23T01:00:12.446" v="2181" actId="5793"/>
-          <ac:spMkLst>
-            <pc:docMk/>
-            <pc:sldMk cId="2102125650" sldId="274"/>
-            <ac:spMk id="6" creationId="{46989CFE-14FA-81FB-D6DE-082128438138}"/>
-          </ac:spMkLst>
-        </pc:spChg>
-        <pc:spChg chg="add del mod">
-          <ac:chgData name="P L" userId="556282e3752c74c5" providerId="LiveId" clId="{673FF5AA-BC8A-40B1-B243-5C41C98D4BAA}" dt="2023-01-23T00:28:11.240" v="1205" actId="478"/>
-          <ac:spMkLst>
-            <pc:docMk/>
-            <pc:sldMk cId="2102125650" sldId="274"/>
-            <ac:spMk id="10" creationId="{BDC712FB-7B13-8791-26CD-CB6BA97E7894}"/>
-          </ac:spMkLst>
-        </pc:spChg>
-        <pc:spChg chg="add del mod">
-          <ac:chgData name="P L" userId="556282e3752c74c5" providerId="LiveId" clId="{673FF5AA-BC8A-40B1-B243-5C41C98D4BAA}" dt="2023-01-23T00:28:16.280" v="1207" actId="478"/>
-          <ac:spMkLst>
-            <pc:docMk/>
-            <pc:sldMk cId="2102125650" sldId="274"/>
-            <ac:spMk id="12" creationId="{F3C00158-5DF7-237B-A94A-B46910B8AA29}"/>
-          </ac:spMkLst>
-        </pc:spChg>
-        <pc:spChg chg="del">
-          <ac:chgData name="P L" userId="556282e3752c74c5" providerId="LiveId" clId="{673FF5AA-BC8A-40B1-B243-5C41C98D4BAA}" dt="2023-01-23T00:28:13.241" v="1206" actId="478"/>
-          <ac:spMkLst>
-            <pc:docMk/>
-            <pc:sldMk cId="2102125650" sldId="274"/>
-            <ac:spMk id="23" creationId="{24508FAD-2D2E-458D-B98F-3AB625F327B6}"/>
-          </ac:spMkLst>
-        </pc:spChg>
-        <pc:spChg chg="del mod">
-          <ac:chgData name="P L" userId="556282e3752c74c5" providerId="LiveId" clId="{673FF5AA-BC8A-40B1-B243-5C41C98D4BAA}" dt="2023-01-23T00:28:09.129" v="1204" actId="478"/>
-          <ac:spMkLst>
-            <pc:docMk/>
-            <pc:sldMk cId="2102125650" sldId="274"/>
-            <ac:spMk id="24" creationId="{0FD12705-AB70-40E3-A13F-B36B09C895BA}"/>
-          </ac:spMkLst>
-        </pc:spChg>
-        <pc:spChg chg="mod">
-          <ac:chgData name="P L" userId="556282e3752c74c5" providerId="LiveId" clId="{673FF5AA-BC8A-40B1-B243-5C41C98D4BAA}" dt="2023-01-23T01:20:19.932" v="2668" actId="14100"/>
-          <ac:spMkLst>
-            <pc:docMk/>
-            <pc:sldMk cId="2102125650" sldId="274"/>
-            <ac:spMk id="32" creationId="{B16388D3-BE48-44F4-A6D7-DDF229373084}"/>
-          </ac:spMkLst>
-        </pc:spChg>
-        <pc:spChg chg="mod">
-          <ac:chgData name="P L" userId="556282e3752c74c5" providerId="LiveId" clId="{673FF5AA-BC8A-40B1-B243-5C41C98D4BAA}" dt="2023-01-23T01:20:31.718" v="2669" actId="1076"/>
-          <ac:spMkLst>
-            <pc:docMk/>
-            <pc:sldMk cId="2102125650" sldId="274"/>
-            <ac:spMk id="86" creationId="{FD30442A-A1AE-4FD1-B045-22F09C71CB76}"/>
-          </ac:spMkLst>
-        </pc:spChg>
-      </pc:sldChg>
-      <pc:sldChg chg="addSp delSp modSp mod">
-        <pc:chgData name="P L" userId="556282e3752c74c5" providerId="LiveId" clId="{673FF5AA-BC8A-40B1-B243-5C41C98D4BAA}" dt="2023-01-23T01:11:59.690" v="2358" actId="403"/>
-        <pc:sldMkLst>
-          <pc:docMk/>
-          <pc:sldMk cId="346886234" sldId="275"/>
-        </pc:sldMkLst>
-        <pc:spChg chg="mod">
-          <ac:chgData name="P L" userId="556282e3752c74c5" providerId="LiveId" clId="{673FF5AA-BC8A-40B1-B243-5C41C98D4BAA}" dt="2023-01-23T00:29:35.974" v="1217" actId="1076"/>
-          <ac:spMkLst>
-            <pc:docMk/>
-            <pc:sldMk cId="346886234" sldId="275"/>
-            <ac:spMk id="2" creationId="{F120A808-7F12-4113-98A3-D227177B9671}"/>
-          </ac:spMkLst>
-        </pc:spChg>
-        <pc:spChg chg="mod">
-          <ac:chgData name="P L" userId="556282e3752c74c5" providerId="LiveId" clId="{673FF5AA-BC8A-40B1-B243-5C41C98D4BAA}" dt="2023-01-23T00:29:11.956" v="1213" actId="1076"/>
-          <ac:spMkLst>
-            <pc:docMk/>
-            <pc:sldMk cId="346886234" sldId="275"/>
-            <ac:spMk id="3" creationId="{404F6AA6-65E7-4E7A-B550-6220A6167640}"/>
-          </ac:spMkLst>
-        </pc:spChg>
-        <pc:spChg chg="mod">
-          <ac:chgData name="P L" userId="556282e3752c74c5" providerId="LiveId" clId="{673FF5AA-BC8A-40B1-B243-5C41C98D4BAA}" dt="2023-01-23T00:28:53.085" v="1212" actId="1076"/>
-          <ac:spMkLst>
-            <pc:docMk/>
-            <pc:sldMk cId="346886234" sldId="275"/>
-            <ac:spMk id="4" creationId="{211550C0-A744-4D4E-B2C1-590932188019}"/>
-          </ac:spMkLst>
-        </pc:spChg>
-        <pc:spChg chg="mod">
-          <ac:chgData name="P L" userId="556282e3752c74c5" providerId="LiveId" clId="{673FF5AA-BC8A-40B1-B243-5C41C98D4BAA}" dt="2023-01-23T01:11:59.690" v="2358" actId="403"/>
-          <ac:spMkLst>
-            <pc:docMk/>
-            <pc:sldMk cId="346886234" sldId="275"/>
-            <ac:spMk id="5" creationId="{7CD61503-6CC8-46FC-A387-705D37A0FDBF}"/>
-          </ac:spMkLst>
-        </pc:spChg>
-        <pc:spChg chg="add del mod">
-          <ac:chgData name="P L" userId="556282e3752c74c5" providerId="LiveId" clId="{673FF5AA-BC8A-40B1-B243-5C41C98D4BAA}" dt="2023-01-22T22:04:42.372" v="79" actId="478"/>
-          <ac:spMkLst>
-            <pc:docMk/>
-            <pc:sldMk cId="346886234" sldId="275"/>
-            <ac:spMk id="7" creationId="{FA635944-E53B-A447-0079-AE20752B88EE}"/>
-          </ac:spMkLst>
-        </pc:spChg>
-        <pc:spChg chg="add del mod">
-          <ac:chgData name="P L" userId="556282e3752c74c5" providerId="LiveId" clId="{673FF5AA-BC8A-40B1-B243-5C41C98D4BAA}" dt="2023-01-23T00:29:21.280" v="1214" actId="478"/>
-          <ac:spMkLst>
-            <pc:docMk/>
-            <pc:sldMk cId="346886234" sldId="275"/>
-            <ac:spMk id="8" creationId="{88FC02D8-E732-62B8-223A-2BE7526F92C6}"/>
-          </ac:spMkLst>
-        </pc:spChg>
-        <pc:spChg chg="mod">
-          <ac:chgData name="P L" userId="556282e3752c74c5" providerId="LiveId" clId="{673FF5AA-BC8A-40B1-B243-5C41C98D4BAA}" dt="2023-01-23T00:29:56.747" v="1220" actId="1076"/>
-          <ac:spMkLst>
-            <pc:docMk/>
-            <pc:sldMk cId="346886234" sldId="275"/>
-            <ac:spMk id="39" creationId="{28E4C3E5-39D0-4E73-92D1-37B7D32F08A7}"/>
-          </ac:spMkLst>
-        </pc:spChg>
-        <pc:spChg chg="del mod">
-          <ac:chgData name="P L" userId="556282e3752c74c5" providerId="LiveId" clId="{673FF5AA-BC8A-40B1-B243-5C41C98D4BAA}" dt="2023-01-22T22:04:39.306" v="78" actId="478"/>
-          <ac:spMkLst>
-            <pc:docMk/>
-            <pc:sldMk cId="346886234" sldId="275"/>
-            <ac:spMk id="40" creationId="{5047EA2A-40A4-486B-B8C9-03B7FB007759}"/>
-          </ac:spMkLst>
-        </pc:spChg>
-        <pc:picChg chg="mod">
-          <ac:chgData name="P L" userId="556282e3752c74c5" providerId="LiveId" clId="{673FF5AA-BC8A-40B1-B243-5C41C98D4BAA}" dt="2023-01-23T00:29:43.771" v="1218" actId="1076"/>
-          <ac:picMkLst>
-            <pc:docMk/>
-            <pc:sldMk cId="346886234" sldId="275"/>
-            <ac:picMk id="48" creationId="{56A4B0FF-F042-47B0-871D-4A36B729342A}"/>
-          </ac:picMkLst>
-        </pc:picChg>
-      </pc:sldChg>
-      <pc:sldChg chg="addSp delSp modSp mod">
-        <pc:chgData name="P L" userId="556282e3752c74c5" providerId="LiveId" clId="{673FF5AA-BC8A-40B1-B243-5C41C98D4BAA}" dt="2023-01-23T01:19:40.550" v="2660" actId="403"/>
-        <pc:sldMkLst>
-          <pc:docMk/>
-          <pc:sldMk cId="4244764810" sldId="276"/>
-        </pc:sldMkLst>
-        <pc:spChg chg="add del mod">
-          <ac:chgData name="P L" userId="556282e3752c74c5" providerId="LiveId" clId="{673FF5AA-BC8A-40B1-B243-5C41C98D4BAA}" dt="2023-01-22T22:11:31.428" v="106" actId="478"/>
-          <ac:spMkLst>
-            <pc:docMk/>
-            <pc:sldMk cId="4244764810" sldId="276"/>
-            <ac:spMk id="3" creationId="{9F2813AE-08E6-4891-4F3C-29D82C28EBE1}"/>
-          </ac:spMkLst>
-        </pc:spChg>
-        <pc:spChg chg="add del mod">
-          <ac:chgData name="P L" userId="556282e3752c74c5" providerId="LiveId" clId="{673FF5AA-BC8A-40B1-B243-5C41C98D4BAA}" dt="2023-01-23T01:07:02.476" v="2335" actId="478"/>
-          <ac:spMkLst>
-            <pc:docMk/>
-            <pc:sldMk cId="4244764810" sldId="276"/>
-            <ac:spMk id="9" creationId="{31D70F81-7E33-27D1-3241-82EAC401167D}"/>
-          </ac:spMkLst>
-        </pc:spChg>
-        <pc:spChg chg="add del mod">
-          <ac:chgData name="P L" userId="556282e3752c74c5" providerId="LiveId" clId="{673FF5AA-BC8A-40B1-B243-5C41C98D4BAA}" dt="2023-01-23T01:07:08.988" v="2337" actId="478"/>
-          <ac:spMkLst>
-            <pc:docMk/>
-            <pc:sldMk cId="4244764810" sldId="276"/>
-            <ac:spMk id="11" creationId="{AA40573A-B642-945A-DA14-249AC29F601D}"/>
-          </ac:spMkLst>
-        </pc:spChg>
-        <pc:spChg chg="add del mod">
-          <ac:chgData name="P L" userId="556282e3752c74c5" providerId="LiveId" clId="{673FF5AA-BC8A-40B1-B243-5C41C98D4BAA}" dt="2023-01-23T01:07:12.868" v="2339" actId="478"/>
-          <ac:spMkLst>
-            <pc:docMk/>
-            <pc:sldMk cId="4244764810" sldId="276"/>
-            <ac:spMk id="13" creationId="{287BE5EB-C426-E919-8B59-0F100B855074}"/>
-          </ac:spMkLst>
-        </pc:spChg>
-        <pc:spChg chg="del mod">
-          <ac:chgData name="P L" userId="556282e3752c74c5" providerId="LiveId" clId="{673FF5AA-BC8A-40B1-B243-5C41C98D4BAA}" dt="2023-01-23T01:07:00.590" v="2334" actId="478"/>
-          <ac:spMkLst>
-            <pc:docMk/>
-            <pc:sldMk cId="4244764810" sldId="276"/>
-            <ac:spMk id="25" creationId="{85B9EC67-E16B-4644-BE4E-9F3520D5AECF}"/>
-          </ac:spMkLst>
-        </pc:spChg>
-        <pc:spChg chg="mod ord">
-          <ac:chgData name="P L" userId="556282e3752c74c5" providerId="LiveId" clId="{673FF5AA-BC8A-40B1-B243-5C41C98D4BAA}" dt="2023-01-23T01:19:40.550" v="2660" actId="403"/>
-          <ac:spMkLst>
-            <pc:docMk/>
-            <pc:sldMk cId="4244764810" sldId="276"/>
-            <ac:spMk id="26" creationId="{CE9C5F90-E573-43D7-AC40-5AD946F4D032}"/>
-          </ac:spMkLst>
-        </pc:spChg>
-        <pc:spChg chg="del mod">
-          <ac:chgData name="P L" userId="556282e3752c74c5" providerId="LiveId" clId="{673FF5AA-BC8A-40B1-B243-5C41C98D4BAA}" dt="2023-01-23T01:07:11.550" v="2338" actId="478"/>
-          <ac:spMkLst>
-            <pc:docMk/>
-            <pc:sldMk cId="4244764810" sldId="276"/>
-            <ac:spMk id="45" creationId="{2704561A-EBDC-4554-AB63-6E7F0AD34E9B}"/>
-          </ac:spMkLst>
-        </pc:spChg>
-        <pc:spChg chg="del mod">
-          <ac:chgData name="P L" userId="556282e3752c74c5" providerId="LiveId" clId="{673FF5AA-BC8A-40B1-B243-5C41C98D4BAA}" dt="2023-01-22T22:11:28.710" v="105" actId="478"/>
-          <ac:spMkLst>
-            <pc:docMk/>
-            <pc:sldMk cId="4244764810" sldId="276"/>
-            <ac:spMk id="46" creationId="{84AA5B14-11B0-4875-B1F5-69DBF1E46D68}"/>
-          </ac:spMkLst>
-        </pc:spChg>
-        <pc:spChg chg="del mod">
-          <ac:chgData name="P L" userId="556282e3752c74c5" providerId="LiveId" clId="{673FF5AA-BC8A-40B1-B243-5C41C98D4BAA}" dt="2023-01-23T01:07:06.911" v="2336" actId="478"/>
-          <ac:spMkLst>
-            <pc:docMk/>
-            <pc:sldMk cId="4244764810" sldId="276"/>
-            <ac:spMk id="47" creationId="{510886A2-18AD-4F58-A88D-0836A93378A0}"/>
-          </ac:spMkLst>
-        </pc:spChg>
-        <pc:spChg chg="del mod">
-          <ac:chgData name="P L" userId="556282e3752c74c5" providerId="LiveId" clId="{673FF5AA-BC8A-40B1-B243-5C41C98D4BAA}" dt="2023-01-23T01:04:04.146" v="2305" actId="26606"/>
-          <ac:spMkLst>
-            <pc:docMk/>
-            <pc:sldMk cId="4244764810" sldId="276"/>
-            <ac:spMk id="48" creationId="{188890BB-2976-4D42-B9BB-FE40645D1266}"/>
-          </ac:spMkLst>
-        </pc:spChg>
-        <pc:spChg chg="add del">
-          <ac:chgData name="P L" userId="556282e3752c74c5" providerId="LiveId" clId="{673FF5AA-BC8A-40B1-B243-5C41C98D4BAA}" dt="2023-01-23T01:07:14.492" v="2340" actId="478"/>
-          <ac:spMkLst>
-            <pc:docMk/>
-            <pc:sldMk cId="4244764810" sldId="276"/>
-            <ac:spMk id="53" creationId="{2CC71A2C-C9B0-9A56-8462-33FE3AF79E8C}"/>
-          </ac:spMkLst>
-        </pc:spChg>
-        <pc:picChg chg="add del mod ord">
-          <ac:chgData name="P L" userId="556282e3752c74c5" providerId="LiveId" clId="{673FF5AA-BC8A-40B1-B243-5C41C98D4BAA}" dt="2023-01-23T01:04:48.268" v="2307" actId="478"/>
-          <ac:picMkLst>
-            <pc:docMk/>
-            <pc:sldMk cId="4244764810" sldId="276"/>
-            <ac:picMk id="5" creationId="{B2A756B1-EAAA-2BA5-AD5D-87C06BF54740}"/>
-          </ac:picMkLst>
-        </pc:picChg>
-        <pc:picChg chg="add mod">
-          <ac:chgData name="P L" userId="556282e3752c74c5" providerId="LiveId" clId="{673FF5AA-BC8A-40B1-B243-5C41C98D4BAA}" dt="2023-01-23T01:11:41.190" v="2356" actId="14100"/>
-          <ac:picMkLst>
-            <pc:docMk/>
-            <pc:sldMk cId="4244764810" sldId="276"/>
-            <ac:picMk id="7" creationId="{4FBF41D3-E925-855C-B9E7-86E408354289}"/>
-          </ac:picMkLst>
-        </pc:picChg>
-        <pc:picChg chg="add del mod">
-          <ac:chgData name="P L" userId="556282e3752c74c5" providerId="LiveId" clId="{673FF5AA-BC8A-40B1-B243-5C41C98D4BAA}" dt="2023-01-23T01:10:03.908" v="2347" actId="478"/>
-          <ac:picMkLst>
-            <pc:docMk/>
-            <pc:sldMk cId="4244764810" sldId="276"/>
-            <ac:picMk id="15" creationId="{319819C7-080A-EDD4-7653-CE0F73B0F3B3}"/>
-          </ac:picMkLst>
-        </pc:picChg>
-        <pc:picChg chg="mod ord">
-          <ac:chgData name="P L" userId="556282e3752c74c5" providerId="LiveId" clId="{673FF5AA-BC8A-40B1-B243-5C41C98D4BAA}" dt="2023-01-23T01:04:04.146" v="2305" actId="26606"/>
-          <ac:picMkLst>
-            <pc:docMk/>
-            <pc:sldMk cId="4244764810" sldId="276"/>
-            <ac:picMk id="41" creationId="{B18AACB1-42A2-4B1E-8CE7-58311236AD5E}"/>
-          </ac:picMkLst>
-        </pc:picChg>
-      </pc:sldChg>
-      <pc:sldChg chg="addSp delSp modSp add mod modClrScheme chgLayout">
-        <pc:chgData name="P L" userId="556282e3752c74c5" providerId="LiveId" clId="{673FF5AA-BC8A-40B1-B243-5C41C98D4BAA}" dt="2023-01-23T01:32:17.194" v="2892" actId="20577"/>
-        <pc:sldMkLst>
-          <pc:docMk/>
-          <pc:sldMk cId="1120956423" sldId="277"/>
-        </pc:sldMkLst>
-        <pc:spChg chg="add del mod">
-          <ac:chgData name="P L" userId="556282e3752c74c5" providerId="LiveId" clId="{673FF5AA-BC8A-40B1-B243-5C41C98D4BAA}" dt="2023-01-23T01:23:28.976" v="2681" actId="21"/>
-          <ac:spMkLst>
-            <pc:docMk/>
-            <pc:sldMk cId="1120956423" sldId="277"/>
-            <ac:spMk id="3" creationId="{E5AA5489-DD32-C3F5-74FE-4F76D135FF25}"/>
-          </ac:spMkLst>
-        </pc:spChg>
-        <pc:spChg chg="add del mod">
-          <ac:chgData name="P L" userId="556282e3752c74c5" providerId="LiveId" clId="{673FF5AA-BC8A-40B1-B243-5C41C98D4BAA}" dt="2023-01-23T01:29:45.202" v="2838" actId="478"/>
-          <ac:spMkLst>
-            <pc:docMk/>
-            <pc:sldMk cId="1120956423" sldId="277"/>
-            <ac:spMk id="4" creationId="{7585D0DC-03E3-B537-B438-D6990A8F230E}"/>
-          </ac:spMkLst>
-        </pc:spChg>
-        <pc:spChg chg="add del mod">
-          <ac:chgData name="P L" userId="556282e3752c74c5" providerId="LiveId" clId="{673FF5AA-BC8A-40B1-B243-5C41C98D4BAA}" dt="2023-01-23T01:23:45.011" v="2685" actId="478"/>
-          <ac:spMkLst>
-            <pc:docMk/>
-            <pc:sldMk cId="1120956423" sldId="277"/>
-            <ac:spMk id="6" creationId="{2E864EAC-B108-350A-84B3-A882682104F6}"/>
-          </ac:spMkLst>
-        </pc:spChg>
-        <pc:spChg chg="add del">
-          <ac:chgData name="P L" userId="556282e3752c74c5" providerId="LiveId" clId="{673FF5AA-BC8A-40B1-B243-5C41C98D4BAA}" dt="2023-01-23T01:23:41.860" v="2684" actId="478"/>
-          <ac:spMkLst>
-            <pc:docMk/>
-            <pc:sldMk cId="1120956423" sldId="277"/>
-            <ac:spMk id="14" creationId="{2435A574-EC9F-4321-9CA3-5D765C30B3E2}"/>
-          </ac:spMkLst>
-        </pc:spChg>
-        <pc:spChg chg="add del mod">
-          <ac:chgData name="P L" userId="556282e3752c74c5" providerId="LiveId" clId="{673FF5AA-BC8A-40B1-B243-5C41C98D4BAA}" dt="2023-01-23T01:27:45.914" v="2716" actId="478"/>
-          <ac:spMkLst>
-            <pc:docMk/>
-            <pc:sldMk cId="1120956423" sldId="277"/>
-            <ac:spMk id="15" creationId="{B4417AD9-881D-705D-34A5-B97A6EA61DF5}"/>
-          </ac:spMkLst>
-        </pc:spChg>
-        <pc:spChg chg="add del mod">
-          <ac:chgData name="P L" userId="556282e3752c74c5" providerId="LiveId" clId="{673FF5AA-BC8A-40B1-B243-5C41C98D4BAA}" dt="2023-01-23T01:29:48.442" v="2840" actId="478"/>
-          <ac:spMkLst>
-            <pc:docMk/>
-            <pc:sldMk cId="1120956423" sldId="277"/>
-            <ac:spMk id="17" creationId="{B33F2648-A303-45D2-4A72-0D6E3E4ABC66}"/>
-          </ac:spMkLst>
-        </pc:spChg>
-        <pc:spChg chg="mod">
-          <ac:chgData name="P L" userId="556282e3752c74c5" providerId="LiveId" clId="{673FF5AA-BC8A-40B1-B243-5C41C98D4BAA}" dt="2023-01-23T01:30:22.403" v="2858" actId="20577"/>
-          <ac:spMkLst>
-            <pc:docMk/>
-            <pc:sldMk cId="1120956423" sldId="277"/>
-            <ac:spMk id="115" creationId="{D328ED67-05E4-4380-99B0-44D2DEB5311C}"/>
-          </ac:spMkLst>
-        </pc:spChg>
-        <pc:spChg chg="add del mod">
-          <ac:chgData name="P L" userId="556282e3752c74c5" providerId="LiveId" clId="{673FF5AA-BC8A-40B1-B243-5C41C98D4BAA}" dt="2023-01-23T01:30:26.370" v="2859" actId="478"/>
-          <ac:spMkLst>
-            <pc:docMk/>
-            <pc:sldMk cId="1120956423" sldId="277"/>
-            <ac:spMk id="120" creationId="{AE58D8CA-2004-CD93-69FB-282DC326D3E8}"/>
-          </ac:spMkLst>
-        </pc:spChg>
-        <pc:spChg chg="add mod">
-          <ac:chgData name="P L" userId="556282e3752c74c5" providerId="LiveId" clId="{673FF5AA-BC8A-40B1-B243-5C41C98D4BAA}" dt="2023-01-23T01:32:17.194" v="2892" actId="20577"/>
-          <ac:spMkLst>
-            <pc:docMk/>
-            <pc:sldMk cId="1120956423" sldId="277"/>
-            <ac:spMk id="122" creationId="{8025CF59-5347-93CB-CBBD-12B8ADFAB12E}"/>
-          </ac:spMkLst>
-        </pc:spChg>
-        <pc:picChg chg="del mod ord">
-          <ac:chgData name="P L" userId="556282e3752c74c5" providerId="LiveId" clId="{673FF5AA-BC8A-40B1-B243-5C41C98D4BAA}" dt="2023-01-23T01:27:44.491" v="2715" actId="478"/>
-          <ac:picMkLst>
-            <pc:docMk/>
-            <pc:sldMk cId="1120956423" sldId="277"/>
-            <ac:picMk id="7" creationId="{1E006552-A299-4408-9F54-B196F5056EA4}"/>
-          </ac:picMkLst>
-        </pc:picChg>
-        <pc:picChg chg="del">
-          <ac:chgData name="P L" userId="556282e3752c74c5" providerId="LiveId" clId="{673FF5AA-BC8A-40B1-B243-5C41C98D4BAA}" dt="2023-01-23T01:23:45.947" v="2686" actId="478"/>
-          <ac:picMkLst>
-            <pc:docMk/>
-            <pc:sldMk cId="1120956423" sldId="277"/>
-            <ac:picMk id="9" creationId="{41A56112-F44D-6534-1071-6A2C5713DEF6}"/>
-          </ac:picMkLst>
-        </pc:picChg>
-        <pc:picChg chg="add del mod">
-          <ac:chgData name="P L" userId="556282e3752c74c5" providerId="LiveId" clId="{673FF5AA-BC8A-40B1-B243-5C41C98D4BAA}" dt="2023-01-23T01:27:26.754" v="2711" actId="478"/>
-          <ac:picMkLst>
-            <pc:docMk/>
-            <pc:sldMk cId="1120956423" sldId="277"/>
-            <ac:picMk id="10" creationId="{F15D6732-1327-ED54-29FF-C75208073014}"/>
-          </ac:picMkLst>
-        </pc:picChg>
-        <pc:picChg chg="add mod">
-          <ac:chgData name="P L" userId="556282e3752c74c5" providerId="LiveId" clId="{673FF5AA-BC8A-40B1-B243-5C41C98D4BAA}" dt="2023-01-23T01:28:00.516" v="2720" actId="14100"/>
-          <ac:picMkLst>
-            <pc:docMk/>
-            <pc:sldMk cId="1120956423" sldId="277"/>
-            <ac:picMk id="12" creationId="{A3276756-54F5-F0B9-96AA-BEE09446290D}"/>
-          </ac:picMkLst>
-        </pc:picChg>
-        <pc:picChg chg="del mod">
-          <ac:chgData name="P L" userId="556282e3752c74c5" providerId="LiveId" clId="{673FF5AA-BC8A-40B1-B243-5C41C98D4BAA}" dt="2023-01-23T01:29:46.211" v="2839" actId="478"/>
-          <ac:picMkLst>
-            <pc:docMk/>
-            <pc:sldMk cId="1120956423" sldId="277"/>
-            <ac:picMk id="25" creationId="{3A866D61-5A53-48A0-9828-C82CDA027DCB}"/>
-          </ac:picMkLst>
-        </pc:picChg>
-      </pc:sldChg>
-      <pc:sldChg chg="new del">
-        <pc:chgData name="P L" userId="556282e3752c74c5" providerId="LiveId" clId="{673FF5AA-BC8A-40B1-B243-5C41C98D4BAA}" dt="2023-01-23T01:21:43.403" v="2672" actId="2696"/>
-        <pc:sldMkLst>
-          <pc:docMk/>
-          <pc:sldMk cId="2568386550" sldId="277"/>
-        </pc:sldMkLst>
-      </pc:sldChg>
-      <pc:sldChg chg="new del">
-        <pc:chgData name="P L" userId="556282e3752c74c5" providerId="LiveId" clId="{673FF5AA-BC8A-40B1-B243-5C41C98D4BAA}" dt="2023-01-23T01:22:21.497" v="2678" actId="2696"/>
-        <pc:sldMkLst>
-          <pc:docMk/>
-          <pc:sldMk cId="3374154903" sldId="277"/>
-        </pc:sldMkLst>
-      </pc:sldChg>
-      <pc:sldChg chg="new del">
-        <pc:chgData name="P L" userId="556282e3752c74c5" providerId="LiveId" clId="{673FF5AA-BC8A-40B1-B243-5C41C98D4BAA}" dt="2023-01-23T01:34:15.590" v="2896" actId="47"/>
-        <pc:sldMkLst>
-          <pc:docMk/>
-          <pc:sldMk cId="3247219396" sldId="278"/>
-        </pc:sldMkLst>
-      </pc:sldChg>
-      <pc:sldChg chg="addSp delSp modSp add mod modClrScheme chgLayout">
-        <pc:chgData name="P L" userId="556282e3752c74c5" providerId="LiveId" clId="{673FF5AA-BC8A-40B1-B243-5C41C98D4BAA}" dt="2023-01-23T01:41:35.169" v="3029" actId="790"/>
-        <pc:sldMkLst>
-          <pc:docMk/>
-          <pc:sldMk cId="1139043464" sldId="279"/>
-        </pc:sldMkLst>
-        <pc:spChg chg="add del mod">
-          <ac:chgData name="P L" userId="556282e3752c74c5" providerId="LiveId" clId="{673FF5AA-BC8A-40B1-B243-5C41C98D4BAA}" dt="2023-01-23T01:38:07.284" v="2924" actId="931"/>
-          <ac:spMkLst>
-            <pc:docMk/>
-            <pc:sldMk cId="1139043464" sldId="279"/>
-            <ac:spMk id="5" creationId="{C2CDAD18-8342-16A4-43E2-831C3977BD25}"/>
-          </ac:spMkLst>
-        </pc:spChg>
-        <pc:spChg chg="add del mod">
-          <ac:chgData name="P L" userId="556282e3752c74c5" providerId="LiveId" clId="{673FF5AA-BC8A-40B1-B243-5C41C98D4BAA}" dt="2023-01-23T01:38:12.017" v="2928" actId="478"/>
-          <ac:spMkLst>
-            <pc:docMk/>
-            <pc:sldMk cId="1139043464" sldId="279"/>
-            <ac:spMk id="9" creationId="{74F73BF2-9C2F-8C16-C984-8105FD498E41}"/>
-          </ac:spMkLst>
-        </pc:spChg>
-        <pc:spChg chg="add del mod ord">
-          <ac:chgData name="P L" userId="556282e3752c74c5" providerId="LiveId" clId="{673FF5AA-BC8A-40B1-B243-5C41C98D4BAA}" dt="2023-01-23T01:40:42.697" v="2975" actId="478"/>
-          <ac:spMkLst>
-            <pc:docMk/>
-            <pc:sldMk cId="1139043464" sldId="279"/>
-            <ac:spMk id="13" creationId="{9485B755-6ACB-C240-EDB3-BD32A3824B15}"/>
-          </ac:spMkLst>
-        </pc:spChg>
-        <pc:spChg chg="add del mod ord">
-          <ac:chgData name="P L" userId="556282e3752c74c5" providerId="LiveId" clId="{673FF5AA-BC8A-40B1-B243-5C41C98D4BAA}" dt="2023-01-23T01:41:00.969" v="2980" actId="478"/>
-          <ac:spMkLst>
-            <pc:docMk/>
-            <pc:sldMk cId="1139043464" sldId="279"/>
-            <ac:spMk id="14" creationId="{6BDAC873-9C00-277E-82C7-CBFD4B5FCD4B}"/>
-          </ac:spMkLst>
-        </pc:spChg>
-        <pc:spChg chg="add del mod ord">
-          <ac:chgData name="P L" userId="556282e3752c74c5" providerId="LiveId" clId="{673FF5AA-BC8A-40B1-B243-5C41C98D4BAA}" dt="2023-01-23T01:40:18.337" v="2962" actId="478"/>
-          <ac:spMkLst>
-            <pc:docMk/>
-            <pc:sldMk cId="1139043464" sldId="279"/>
-            <ac:spMk id="15" creationId="{EE64C21F-9715-C09D-8856-D8AD9B8B0DA6}"/>
-          </ac:spMkLst>
-        </pc:spChg>
-        <pc:spChg chg="add del mod ord">
-          <ac:chgData name="P L" userId="556282e3752c74c5" providerId="LiveId" clId="{673FF5AA-BC8A-40B1-B243-5C41C98D4BAA}" dt="2023-01-23T01:39:45.811" v="2949" actId="478"/>
-          <ac:spMkLst>
-            <pc:docMk/>
-            <pc:sldMk cId="1139043464" sldId="279"/>
-            <ac:spMk id="16" creationId="{45C829E0-6541-7D5F-8A5C-CC1ED25FEDE8}"/>
-          </ac:spMkLst>
-        </pc:spChg>
-        <pc:spChg chg="add del mod ord">
-          <ac:chgData name="P L" userId="556282e3752c74c5" providerId="LiveId" clId="{673FF5AA-BC8A-40B1-B243-5C41C98D4BAA}" dt="2023-01-23T01:39:13.417" v="2937" actId="478"/>
-          <ac:spMkLst>
-            <pc:docMk/>
-            <pc:sldMk cId="1139043464" sldId="279"/>
-            <ac:spMk id="17" creationId="{3C54FCEE-FC4D-FC97-9849-A9691965B32B}"/>
-          </ac:spMkLst>
-        </pc:spChg>
-        <pc:spChg chg="add del mod">
-          <ac:chgData name="P L" userId="556282e3752c74c5" providerId="LiveId" clId="{673FF5AA-BC8A-40B1-B243-5C41C98D4BAA}" dt="2023-01-23T01:40:08.299" v="2959" actId="478"/>
-          <ac:spMkLst>
-            <pc:docMk/>
-            <pc:sldMk cId="1139043464" sldId="279"/>
-            <ac:spMk id="19" creationId="{AF118049-4F38-70D9-150C-AA968790356C}"/>
-          </ac:spMkLst>
-        </pc:spChg>
-        <pc:spChg chg="add del mod">
-          <ac:chgData name="P L" userId="556282e3752c74c5" providerId="LiveId" clId="{673FF5AA-BC8A-40B1-B243-5C41C98D4BAA}" dt="2023-01-23T01:40:17.209" v="2961" actId="478"/>
-          <ac:spMkLst>
-            <pc:docMk/>
-            <pc:sldMk cId="1139043464" sldId="279"/>
-            <ac:spMk id="21" creationId="{FFF84FC0-347E-6097-9409-2C8F72B30E3F}"/>
-          </ac:spMkLst>
-        </pc:spChg>
-        <pc:spChg chg="add mod">
-          <ac:chgData name="P L" userId="556282e3752c74c5" providerId="LiveId" clId="{673FF5AA-BC8A-40B1-B243-5C41C98D4BAA}" dt="2023-01-23T01:41:35.169" v="3029" actId="790"/>
-          <ac:spMkLst>
-            <pc:docMk/>
-            <pc:sldMk cId="1139043464" sldId="279"/>
-            <ac:spMk id="23" creationId="{07199597-FB73-4C73-C2BA-898E8294790D}"/>
-          </ac:spMkLst>
-        </pc:spChg>
-        <pc:spChg chg="add del mod">
-          <ac:chgData name="P L" userId="556282e3752c74c5" providerId="LiveId" clId="{673FF5AA-BC8A-40B1-B243-5C41C98D4BAA}" dt="2023-01-23T01:40:40.769" v="2974" actId="478"/>
-          <ac:spMkLst>
-            <pc:docMk/>
-            <pc:sldMk cId="1139043464" sldId="279"/>
-            <ac:spMk id="25" creationId="{EAEAB3B3-F960-F18F-C7E5-B64F58047611}"/>
-          </ac:spMkLst>
-        </pc:spChg>
-        <pc:spChg chg="del mod ord">
-          <ac:chgData name="P L" userId="556282e3752c74c5" providerId="LiveId" clId="{673FF5AA-BC8A-40B1-B243-5C41C98D4BAA}" dt="2023-01-23T01:40:19.883" v="2963" actId="478"/>
-          <ac:spMkLst>
-            <pc:docMk/>
-            <pc:sldMk cId="1139043464" sldId="279"/>
-            <ac:spMk id="115" creationId="{D328ED67-05E4-4380-99B0-44D2DEB5311C}"/>
-          </ac:spMkLst>
-        </pc:spChg>
-        <pc:spChg chg="del mod ord">
-          <ac:chgData name="P L" userId="556282e3752c74c5" providerId="LiveId" clId="{673FF5AA-BC8A-40B1-B243-5C41C98D4BAA}" dt="2023-01-23T01:40:39.070" v="2973" actId="478"/>
-          <ac:spMkLst>
-            <pc:docMk/>
-            <pc:sldMk cId="1139043464" sldId="279"/>
-            <ac:spMk id="122" creationId="{8025CF59-5347-93CB-CBBD-12B8ADFAB12E}"/>
-          </ac:spMkLst>
-        </pc:spChg>
-        <pc:spChg chg="add del">
-          <ac:chgData name="P L" userId="556282e3752c74c5" providerId="LiveId" clId="{673FF5AA-BC8A-40B1-B243-5C41C98D4BAA}" dt="2023-01-23T01:36:49.572" v="2922" actId="26606"/>
-          <ac:spMkLst>
-            <pc:docMk/>
-            <pc:sldMk cId="1139043464" sldId="279"/>
-            <ac:spMk id="124" creationId="{4A4ACB84-08DC-8325-44D5-FFE7A5814B87}"/>
-          </ac:spMkLst>
-        </pc:spChg>
-        <pc:spChg chg="add del">
-          <ac:chgData name="P L" userId="556282e3752c74c5" providerId="LiveId" clId="{673FF5AA-BC8A-40B1-B243-5C41C98D4BAA}" dt="2023-01-23T01:36:49.572" v="2922" actId="26606"/>
-          <ac:spMkLst>
-            <pc:docMk/>
-            <pc:sldMk cId="1139043464" sldId="279"/>
-            <ac:spMk id="125" creationId="{C9600037-C7D1-352F-C698-F18C51915214}"/>
-          </ac:spMkLst>
-        </pc:spChg>
-        <pc:spChg chg="add del">
-          <ac:chgData name="P L" userId="556282e3752c74c5" providerId="LiveId" clId="{673FF5AA-BC8A-40B1-B243-5C41C98D4BAA}" dt="2023-01-23T01:36:49.572" v="2922" actId="26606"/>
-          <ac:spMkLst>
-            <pc:docMk/>
-            <pc:sldMk cId="1139043464" sldId="279"/>
-            <ac:spMk id="126" creationId="{73C30B55-5F88-7B01-CA5C-A0C659ABE027}"/>
-          </ac:spMkLst>
-        </pc:spChg>
-        <pc:spChg chg="add del mod">
-          <ac:chgData name="P L" userId="556282e3752c74c5" providerId="LiveId" clId="{673FF5AA-BC8A-40B1-B243-5C41C98D4BAA}" dt="2023-01-23T01:34:51.674" v="2897" actId="26606"/>
-          <ac:spMkLst>
-            <pc:docMk/>
-            <pc:sldMk cId="1139043464" sldId="279"/>
-            <ac:spMk id="127" creationId="{11EA88B3-571D-61CD-E1D3-067CEF4E1100}"/>
-          </ac:spMkLst>
-        </pc:spChg>
-        <pc:spChg chg="add del">
-          <ac:chgData name="P L" userId="556282e3752c74c5" providerId="LiveId" clId="{673FF5AA-BC8A-40B1-B243-5C41C98D4BAA}" dt="2023-01-23T01:36:49.572" v="2922" actId="26606"/>
-          <ac:spMkLst>
-            <pc:docMk/>
-            <pc:sldMk cId="1139043464" sldId="279"/>
-            <ac:spMk id="128" creationId="{AA8F2958-FD0A-7524-5173-F72E8F4CD9F5}"/>
-          </ac:spMkLst>
-        </pc:spChg>
-        <pc:spChg chg="add del mod">
-          <ac:chgData name="P L" userId="556282e3752c74c5" providerId="LiveId" clId="{673FF5AA-BC8A-40B1-B243-5C41C98D4BAA}" dt="2023-01-23T01:34:51.674" v="2897" actId="26606"/>
-          <ac:spMkLst>
-            <pc:docMk/>
-            <pc:sldMk cId="1139043464" sldId="279"/>
-            <ac:spMk id="129" creationId="{5C2D4539-DFC7-547C-A97A-B4D6EEBF92E8}"/>
-          </ac:spMkLst>
-        </pc:spChg>
-        <pc:spChg chg="add del mod">
-          <ac:chgData name="P L" userId="556282e3752c74c5" providerId="LiveId" clId="{673FF5AA-BC8A-40B1-B243-5C41C98D4BAA}" dt="2023-01-23T01:34:51.674" v="2897" actId="26606"/>
-          <ac:spMkLst>
-            <pc:docMk/>
-            <pc:sldMk cId="1139043464" sldId="279"/>
-            <ac:spMk id="131" creationId="{7E3C3BAE-70E8-B06C-7E01-FFE0F57E45A3}"/>
-          </ac:spMkLst>
-        </pc:spChg>
-        <pc:spChg chg="add del mod">
-          <ac:chgData name="P L" userId="556282e3752c74c5" providerId="LiveId" clId="{673FF5AA-BC8A-40B1-B243-5C41C98D4BAA}" dt="2023-01-23T01:34:51.674" v="2897" actId="26606"/>
-          <ac:spMkLst>
-            <pc:docMk/>
-            <pc:sldMk cId="1139043464" sldId="279"/>
-            <ac:spMk id="133" creationId="{393DBD90-7A73-60F7-A4FE-4636CAA16745}"/>
-          </ac:spMkLst>
-        </pc:spChg>
-        <pc:spChg chg="add del mod">
-          <ac:chgData name="P L" userId="556282e3752c74c5" providerId="LiveId" clId="{673FF5AA-BC8A-40B1-B243-5C41C98D4BAA}" dt="2023-01-23T01:34:51.674" v="2897" actId="26606"/>
-          <ac:spMkLst>
-            <pc:docMk/>
-            <pc:sldMk cId="1139043464" sldId="279"/>
-            <ac:spMk id="135" creationId="{E0C3B94D-CC67-7C89-05B1-FC2EC2773F39}"/>
-          </ac:spMkLst>
-        </pc:spChg>
-        <pc:spChg chg="add del mod">
-          <ac:chgData name="P L" userId="556282e3752c74c5" providerId="LiveId" clId="{673FF5AA-BC8A-40B1-B243-5C41C98D4BAA}" dt="2023-01-23T01:36:07.161" v="2910" actId="478"/>
-          <ac:spMkLst>
-            <pc:docMk/>
-            <pc:sldMk cId="1139043464" sldId="279"/>
-            <ac:spMk id="140" creationId="{6BF48DE5-14BF-7E3D-191E-6C02E4AB0B7C}"/>
-          </ac:spMkLst>
-        </pc:spChg>
-        <pc:spChg chg="add del mod">
-          <ac:chgData name="P L" userId="556282e3752c74c5" providerId="LiveId" clId="{673FF5AA-BC8A-40B1-B243-5C41C98D4BAA}" dt="2023-01-23T01:36:09.402" v="2911" actId="478"/>
-          <ac:spMkLst>
-            <pc:docMk/>
-            <pc:sldMk cId="1139043464" sldId="279"/>
-            <ac:spMk id="142" creationId="{9CFF9DDD-4FEB-7D41-72B1-12B84B8350CA}"/>
-          </ac:spMkLst>
-        </pc:spChg>
-        <pc:spChg chg="add del mod">
-          <ac:chgData name="P L" userId="556282e3752c74c5" providerId="LiveId" clId="{673FF5AA-BC8A-40B1-B243-5C41C98D4BAA}" dt="2023-01-23T01:35:46.703" v="2899" actId="931"/>
-          <ac:spMkLst>
-            <pc:docMk/>
-            <pc:sldMk cId="1139043464" sldId="279"/>
-            <ac:spMk id="144" creationId="{22BAF025-9539-301C-69FD-BA56B6236AD9}"/>
-          </ac:spMkLst>
-        </pc:spChg>
-        <pc:spChg chg="add del mod">
-          <ac:chgData name="P L" userId="556282e3752c74c5" providerId="LiveId" clId="{673FF5AA-BC8A-40B1-B243-5C41C98D4BAA}" dt="2023-01-23T01:36:05.210" v="2909" actId="478"/>
-          <ac:spMkLst>
-            <pc:docMk/>
-            <pc:sldMk cId="1139043464" sldId="279"/>
-            <ac:spMk id="146" creationId="{E3625225-8D09-97C8-8E98-14D3E61F1FE6}"/>
-          </ac:spMkLst>
-        </pc:spChg>
-        <pc:picChg chg="add del mod">
-          <ac:chgData name="P L" userId="556282e3752c74c5" providerId="LiveId" clId="{673FF5AA-BC8A-40B1-B243-5C41C98D4BAA}" dt="2023-01-23T01:37:00.883" v="2923" actId="478"/>
-          <ac:picMkLst>
-            <pc:docMk/>
-            <pc:sldMk cId="1139043464" sldId="279"/>
-            <ac:picMk id="3" creationId="{80B865A5-5E29-A524-8B05-DFB4E34EB004}"/>
-          </ac:picMkLst>
-        </pc:picChg>
-        <pc:picChg chg="add del mod">
-          <ac:chgData name="P L" userId="556282e3752c74c5" providerId="LiveId" clId="{673FF5AA-BC8A-40B1-B243-5C41C98D4BAA}" dt="2023-01-23T01:38:10.420" v="2927" actId="478"/>
-          <ac:picMkLst>
-            <pc:docMk/>
-            <pc:sldMk cId="1139043464" sldId="279"/>
-            <ac:picMk id="7" creationId="{087AF540-6EC6-5055-C209-01147322C28E}"/>
-          </ac:picMkLst>
-        </pc:picChg>
-        <pc:picChg chg="add mod">
-          <ac:chgData name="P L" userId="556282e3752c74c5" providerId="LiveId" clId="{673FF5AA-BC8A-40B1-B243-5C41C98D4BAA}" dt="2023-01-23T01:40:54.054" v="2978" actId="14100"/>
-          <ac:picMkLst>
-            <pc:docMk/>
-            <pc:sldMk cId="1139043464" sldId="279"/>
-            <ac:picMk id="11" creationId="{342BF652-6C8A-1174-180B-7D3FAC3F1B6D}"/>
-          </ac:picMkLst>
-        </pc:picChg>
-        <pc:picChg chg="del mod">
-          <ac:chgData name="P L" userId="556282e3752c74c5" providerId="LiveId" clId="{673FF5AA-BC8A-40B1-B243-5C41C98D4BAA}" dt="2023-01-23T01:35:27.570" v="2898" actId="478"/>
-          <ac:picMkLst>
-            <pc:docMk/>
-            <pc:sldMk cId="1139043464" sldId="279"/>
-            <ac:picMk id="12" creationId="{A3276756-54F5-F0B9-96AA-BEE09446290D}"/>
-          </ac:picMkLst>
-        </pc:picChg>
-      </pc:sldChg>
-      <pc:sldChg chg="addSp delSp modSp add mod ord">
-        <pc:chgData name="P L" userId="556282e3752c74c5" providerId="LiveId" clId="{673FF5AA-BC8A-40B1-B243-5C41C98D4BAA}" dt="2023-01-23T02:00:34.256" v="3390" actId="20577"/>
-        <pc:sldMkLst>
-          <pc:docMk/>
-          <pc:sldMk cId="3812800835" sldId="280"/>
-        </pc:sldMkLst>
-        <pc:spChg chg="mod ord">
-          <ac:chgData name="P L" userId="556282e3752c74c5" providerId="LiveId" clId="{673FF5AA-BC8A-40B1-B243-5C41C98D4BAA}" dt="2023-01-23T01:52:49.993" v="3358" actId="20577"/>
-          <ac:spMkLst>
-            <pc:docMk/>
-            <pc:sldMk cId="3812800835" sldId="280"/>
-            <ac:spMk id="14" creationId="{2435A574-EC9F-4321-9CA3-5D765C30B3E2}"/>
-          </ac:spMkLst>
-        </pc:spChg>
-        <pc:spChg chg="mod ord">
-          <ac:chgData name="P L" userId="556282e3752c74c5" providerId="LiveId" clId="{673FF5AA-BC8A-40B1-B243-5C41C98D4BAA}" dt="2023-01-23T01:52:12.138" v="3355" actId="255"/>
-          <ac:spMkLst>
-            <pc:docMk/>
-            <pc:sldMk cId="3812800835" sldId="280"/>
-            <ac:spMk id="115" creationId="{D328ED67-05E4-4380-99B0-44D2DEB5311C}"/>
-          </ac:spMkLst>
-        </pc:spChg>
-        <pc:spChg chg="add del">
-          <ac:chgData name="P L" userId="556282e3752c74c5" providerId="LiveId" clId="{673FF5AA-BC8A-40B1-B243-5C41C98D4BAA}" dt="2023-01-23T01:50:34.138" v="3188" actId="478"/>
-          <ac:spMkLst>
-            <pc:docMk/>
-            <pc:sldMk cId="3812800835" sldId="280"/>
-            <ac:spMk id="120" creationId="{D5D8CDB1-D119-6D25-8B87-483ED3A34412}"/>
-          </ac:spMkLst>
-        </pc:spChg>
-        <pc:spChg chg="add mod">
-          <ac:chgData name="P L" userId="556282e3752c74c5" providerId="LiveId" clId="{673FF5AA-BC8A-40B1-B243-5C41C98D4BAA}" dt="2023-01-23T01:52:08.459" v="3354" actId="255"/>
-          <ac:spMkLst>
-            <pc:docMk/>
-            <pc:sldMk cId="3812800835" sldId="280"/>
-            <ac:spMk id="122" creationId="{BCE4E445-475C-B869-D02A-A4D18A3DA3F3}"/>
-          </ac:spMkLst>
-        </pc:spChg>
-        <pc:spChg chg="add mod">
-          <ac:chgData name="P L" userId="556282e3752c74c5" providerId="LiveId" clId="{673FF5AA-BC8A-40B1-B243-5C41C98D4BAA}" dt="2023-01-23T02:00:34.256" v="3390" actId="20577"/>
-          <ac:spMkLst>
-            <pc:docMk/>
-            <pc:sldMk cId="3812800835" sldId="280"/>
-            <ac:spMk id="124" creationId="{10011787-9D02-3009-4942-FE8F846141D4}"/>
-          </ac:spMkLst>
-        </pc:spChg>
-        <pc:picChg chg="mod">
-          <ac:chgData name="P L" userId="556282e3752c74c5" providerId="LiveId" clId="{673FF5AA-BC8A-40B1-B243-5C41C98D4BAA}" dt="2023-01-23T01:46:04.529" v="3033" actId="26606"/>
-          <ac:picMkLst>
-            <pc:docMk/>
-            <pc:sldMk cId="3812800835" sldId="280"/>
-            <ac:picMk id="7" creationId="{1E006552-A299-4408-9F54-B196F5056EA4}"/>
-          </ac:picMkLst>
-        </pc:picChg>
-        <pc:picChg chg="del mod">
-          <ac:chgData name="P L" userId="556282e3752c74c5" providerId="LiveId" clId="{673FF5AA-BC8A-40B1-B243-5C41C98D4BAA}" dt="2023-01-23T01:50:37.025" v="3189" actId="478"/>
-          <ac:picMkLst>
-            <pc:docMk/>
-            <pc:sldMk cId="3812800835" sldId="280"/>
-            <ac:picMk id="9" creationId="{41A56112-F44D-6534-1071-6A2C5713DEF6}"/>
-          </ac:picMkLst>
-        </pc:picChg>
-        <pc:picChg chg="mod">
-          <ac:chgData name="P L" userId="556282e3752c74c5" providerId="LiveId" clId="{673FF5AA-BC8A-40B1-B243-5C41C98D4BAA}" dt="2023-01-23T01:46:04.529" v="3033" actId="26606"/>
-          <ac:picMkLst>
-            <pc:docMk/>
-            <pc:sldMk cId="3812800835" sldId="280"/>
-            <ac:picMk id="25" creationId="{3A866D61-5A53-48A0-9828-C82CDA027DCB}"/>
-          </ac:picMkLst>
-        </pc:picChg>
-      </pc:sldChg>
-    </pc:docChg>
-  </pc:docChgLst>
-  <pc:docChgLst>
     <pc:chgData name="Roh, Hyunju" userId="0393a2f5-bba4-410b-ac0b-0505d90fb8ef" providerId="ADAL" clId="{8926C0ED-0647-6C46-85FC-FEA4AA5D76F6}"/>
     <pc:docChg chg="addSld modSld sldOrd">
       <pc:chgData name="Roh, Hyunju" userId="0393a2f5-bba4-410b-ac0b-0505d90fb8ef" providerId="ADAL" clId="{8926C0ED-0647-6C46-85FC-FEA4AA5D76F6}" dt="2023-01-23T02:11:53.504" v="2" actId="20578"/>
@@ -1525,6 +205,30 @@
     </pc:docChg>
   </pc:docChgLst>
   <pc:docChgLst>
+    <pc:chgData name="P L" userId="556282e3752c74c5" providerId="LiveId" clId="{85FA945F-7425-4A18-B58E-0EE9459564E3}"/>
+    <pc:docChg chg="modSld">
+      <pc:chgData name="P L" userId="556282e3752c74c5" providerId="LiveId" clId="{85FA945F-7425-4A18-B58E-0EE9459564E3}" dt="2023-01-23T13:11:07.296" v="2" actId="20577"/>
+      <pc:docMkLst>
+        <pc:docMk/>
+      </pc:docMkLst>
+      <pc:sldChg chg="modSp mod">
+        <pc:chgData name="P L" userId="556282e3752c74c5" providerId="LiveId" clId="{85FA945F-7425-4A18-B58E-0EE9459564E3}" dt="2023-01-23T13:11:07.296" v="2" actId="20577"/>
+        <pc:sldMkLst>
+          <pc:docMk/>
+          <pc:sldMk cId="2711574802" sldId="289"/>
+        </pc:sldMkLst>
+        <pc:spChg chg="mod">
+          <ac:chgData name="P L" userId="556282e3752c74c5" providerId="LiveId" clId="{85FA945F-7425-4A18-B58E-0EE9459564E3}" dt="2023-01-23T13:11:07.296" v="2" actId="20577"/>
+          <ac:spMkLst>
+            <pc:docMk/>
+            <pc:sldMk cId="2711574802" sldId="289"/>
+            <ac:spMk id="6" creationId="{46989CFE-14FA-81FB-D6DE-082128438138}"/>
+          </ac:spMkLst>
+        </pc:spChg>
+      </pc:sldChg>
+    </pc:docChg>
+  </pc:docChgLst>
+  <pc:docChgLst>
     <pc:chgData name="Loutfi, Patrick" userId="S::0373962@johnabbottcollege.net::836d6f16-c351-4597-8600-13c7ff7c5c3d" providerId="AD" clId="Web-{B0F63D8E-0026-4360-AF34-4262815E6D34}"/>
     <pc:docChg chg="delSld modSld">
       <pc:chgData name="Loutfi, Patrick" userId="S::0373962@johnabbottcollege.net::836d6f16-c351-4597-8600-13c7ff7c5c3d" providerId="AD" clId="Web-{B0F63D8E-0026-4360-AF34-4262815E6D34}" dt="2023-01-23T03:14:42.590" v="2"/>
@@ -1552,6 +256,1326 @@
             <ac:spMk id="6" creationId="{46989CFE-14FA-81FB-D6DE-082128438138}"/>
           </ac:spMkLst>
         </pc:spChg>
+      </pc:sldChg>
+    </pc:docChg>
+  </pc:docChgLst>
+  <pc:docChgLst>
+    <pc:chgData name="Loutfi, Patrick" userId="S::0373962@johnabbottcollege.net::836d6f16-c351-4597-8600-13c7ff7c5c3d" providerId="AD" clId="Web-{0FB169EE-66CA-4E17-8AF7-F2387A93C4A2}"/>
+    <pc:docChg chg="addSld delSld modSld">
+      <pc:chgData name="Loutfi, Patrick" userId="S::0373962@johnabbottcollege.net::836d6f16-c351-4597-8600-13c7ff7c5c3d" providerId="AD" clId="Web-{0FB169EE-66CA-4E17-8AF7-F2387A93C4A2}" dt="2023-01-23T02:51:54.663" v="606" actId="20577"/>
+      <pc:docMkLst>
+        <pc:docMk/>
+      </pc:docMkLst>
+      <pc:sldChg chg="modSp">
+        <pc:chgData name="Loutfi, Patrick" userId="S::0373962@johnabbottcollege.net::836d6f16-c351-4597-8600-13c7ff7c5c3d" providerId="AD" clId="Web-{0FB169EE-66CA-4E17-8AF7-F2387A93C4A2}" dt="2023-01-23T02:32:14.282" v="157" actId="20577"/>
+        <pc:sldMkLst>
+          <pc:docMk/>
+          <pc:sldMk cId="719325024" sldId="272"/>
+        </pc:sldMkLst>
+        <pc:spChg chg="mod">
+          <ac:chgData name="Loutfi, Patrick" userId="S::0373962@johnabbottcollege.net::836d6f16-c351-4597-8600-13c7ff7c5c3d" providerId="AD" clId="Web-{0FB169EE-66CA-4E17-8AF7-F2387A93C4A2}" dt="2023-01-23T02:32:09.532" v="155" actId="20577"/>
+          <ac:spMkLst>
+            <pc:docMk/>
+            <pc:sldMk cId="719325024" sldId="272"/>
+            <ac:spMk id="14" creationId="{2435A574-EC9F-4321-9CA3-5D765C30B3E2}"/>
+          </ac:spMkLst>
+        </pc:spChg>
+        <pc:spChg chg="mod">
+          <ac:chgData name="Loutfi, Patrick" userId="S::0373962@johnabbottcollege.net::836d6f16-c351-4597-8600-13c7ff7c5c3d" providerId="AD" clId="Web-{0FB169EE-66CA-4E17-8AF7-F2387A93C4A2}" dt="2023-01-23T02:32:14.282" v="157" actId="20577"/>
+          <ac:spMkLst>
+            <pc:docMk/>
+            <pc:sldMk cId="719325024" sldId="272"/>
+            <ac:spMk id="115" creationId="{D328ED67-05E4-4380-99B0-44D2DEB5311C}"/>
+          </ac:spMkLst>
+        </pc:spChg>
+      </pc:sldChg>
+      <pc:sldChg chg="modSp">
+        <pc:chgData name="Loutfi, Patrick" userId="S::0373962@johnabbottcollege.net::836d6f16-c351-4597-8600-13c7ff7c5c3d" providerId="AD" clId="Web-{0FB169EE-66CA-4E17-8AF7-F2387A93C4A2}" dt="2023-01-23T02:29:49.295" v="152" actId="20577"/>
+        <pc:sldMkLst>
+          <pc:docMk/>
+          <pc:sldMk cId="4244764810" sldId="276"/>
+        </pc:sldMkLst>
+        <pc:spChg chg="mod">
+          <ac:chgData name="Loutfi, Patrick" userId="S::0373962@johnabbottcollege.net::836d6f16-c351-4597-8600-13c7ff7c5c3d" providerId="AD" clId="Web-{0FB169EE-66CA-4E17-8AF7-F2387A93C4A2}" dt="2023-01-23T02:29:49.295" v="152" actId="20577"/>
+          <ac:spMkLst>
+            <pc:docMk/>
+            <pc:sldMk cId="4244764810" sldId="276"/>
+            <ac:spMk id="26" creationId="{CE9C5F90-E573-43D7-AC40-5AD946F4D032}"/>
+          </ac:spMkLst>
+        </pc:spChg>
+      </pc:sldChg>
+      <pc:sldChg chg="delSp">
+        <pc:chgData name="Loutfi, Patrick" userId="S::0373962@johnabbottcollege.net::836d6f16-c351-4597-8600-13c7ff7c5c3d" providerId="AD" clId="Web-{0FB169EE-66CA-4E17-8AF7-F2387A93C4A2}" dt="2023-01-23T02:22:12.586" v="1"/>
+        <pc:sldMkLst>
+          <pc:docMk/>
+          <pc:sldMk cId="1139043464" sldId="279"/>
+        </pc:sldMkLst>
+        <pc:picChg chg="del">
+          <ac:chgData name="Loutfi, Patrick" userId="S::0373962@johnabbottcollege.net::836d6f16-c351-4597-8600-13c7ff7c5c3d" providerId="AD" clId="Web-{0FB169EE-66CA-4E17-8AF7-F2387A93C4A2}" dt="2023-01-23T02:22:12.586" v="1"/>
+          <ac:picMkLst>
+            <pc:docMk/>
+            <pc:sldMk cId="1139043464" sldId="279"/>
+            <ac:picMk id="2" creationId="{507BC0CF-4912-876A-D240-17A288E09CE1}"/>
+          </ac:picMkLst>
+        </pc:picChg>
+      </pc:sldChg>
+      <pc:sldChg chg="del">
+        <pc:chgData name="Loutfi, Patrick" userId="S::0373962@johnabbottcollege.net::836d6f16-c351-4597-8600-13c7ff7c5c3d" providerId="AD" clId="Web-{0FB169EE-66CA-4E17-8AF7-F2387A93C4A2}" dt="2023-01-23T02:31:05.343" v="154"/>
+        <pc:sldMkLst>
+          <pc:docMk/>
+          <pc:sldMk cId="3812800835" sldId="280"/>
+        </pc:sldMkLst>
+      </pc:sldChg>
+      <pc:sldChg chg="modSp">
+        <pc:chgData name="Loutfi, Patrick" userId="S::0373962@johnabbottcollege.net::836d6f16-c351-4597-8600-13c7ff7c5c3d" providerId="AD" clId="Web-{0FB169EE-66CA-4E17-8AF7-F2387A93C4A2}" dt="2023-01-23T02:30:44.234" v="153" actId="20577"/>
+        <pc:sldMkLst>
+          <pc:docMk/>
+          <pc:sldMk cId="3355991885" sldId="283"/>
+        </pc:sldMkLst>
+        <pc:spChg chg="mod">
+          <ac:chgData name="Loutfi, Patrick" userId="S::0373962@johnabbottcollege.net::836d6f16-c351-4597-8600-13c7ff7c5c3d" providerId="AD" clId="Web-{0FB169EE-66CA-4E17-8AF7-F2387A93C4A2}" dt="2023-01-23T02:30:44.234" v="153" actId="20577"/>
+          <ac:spMkLst>
+            <pc:docMk/>
+            <pc:sldMk cId="3355991885" sldId="283"/>
+            <ac:spMk id="8" creationId="{CE0778C9-624B-412C-B5F9-3F9B35308E3E}"/>
+          </ac:spMkLst>
+        </pc:spChg>
+      </pc:sldChg>
+      <pc:sldChg chg="addSp delSp modSp new mod modClrScheme chgLayout">
+        <pc:chgData name="Loutfi, Patrick" userId="S::0373962@johnabbottcollege.net::836d6f16-c351-4597-8600-13c7ff7c5c3d" providerId="AD" clId="Web-{0FB169EE-66CA-4E17-8AF7-F2387A93C4A2}" dt="2023-01-23T02:24:08.462" v="37"/>
+        <pc:sldMkLst>
+          <pc:docMk/>
+          <pc:sldMk cId="3238066584" sldId="287"/>
+        </pc:sldMkLst>
+        <pc:spChg chg="del">
+          <ac:chgData name="Loutfi, Patrick" userId="S::0373962@johnabbottcollege.net::836d6f16-c351-4597-8600-13c7ff7c5c3d" providerId="AD" clId="Web-{0FB169EE-66CA-4E17-8AF7-F2387A93C4A2}" dt="2023-01-23T02:22:19.789" v="2"/>
+          <ac:spMkLst>
+            <pc:docMk/>
+            <pc:sldMk cId="3238066584" sldId="287"/>
+            <ac:spMk id="2" creationId="{0EC88ECE-95FB-BE5C-8954-998F1B1EC107}"/>
+          </ac:spMkLst>
+        </pc:spChg>
+        <pc:spChg chg="add del">
+          <ac:chgData name="Loutfi, Patrick" userId="S::0373962@johnabbottcollege.net::836d6f16-c351-4597-8600-13c7ff7c5c3d" providerId="AD" clId="Web-{0FB169EE-66CA-4E17-8AF7-F2387A93C4A2}" dt="2023-01-23T02:22:50.336" v="10"/>
+          <ac:spMkLst>
+            <pc:docMk/>
+            <pc:sldMk cId="3238066584" sldId="287"/>
+            <ac:spMk id="3" creationId="{B04513E4-A507-A093-4C28-FE03777F4069}"/>
+          </ac:spMkLst>
+        </pc:spChg>
+        <pc:spChg chg="add del">
+          <ac:chgData name="Loutfi, Patrick" userId="S::0373962@johnabbottcollege.net::836d6f16-c351-4597-8600-13c7ff7c5c3d" providerId="AD" clId="Web-{0FB169EE-66CA-4E17-8AF7-F2387A93C4A2}" dt="2023-01-23T02:22:52.102" v="11"/>
+          <ac:spMkLst>
+            <pc:docMk/>
+            <pc:sldMk cId="3238066584" sldId="287"/>
+            <ac:spMk id="4" creationId="{FE09A2BF-CD67-3556-D095-559E68BDB487}"/>
+          </ac:spMkLst>
+        </pc:spChg>
+        <pc:spChg chg="add del">
+          <ac:chgData name="Loutfi, Patrick" userId="S::0373962@johnabbottcollege.net::836d6f16-c351-4597-8600-13c7ff7c5c3d" providerId="AD" clId="Web-{0FB169EE-66CA-4E17-8AF7-F2387A93C4A2}" dt="2023-01-23T02:23:40.025" v="19"/>
+          <ac:spMkLst>
+            <pc:docMk/>
+            <pc:sldMk cId="3238066584" sldId="287"/>
+            <ac:spMk id="5" creationId="{182E93E9-38F9-30ED-BDEB-5DBFB1580DC9}"/>
+          </ac:spMkLst>
+        </pc:spChg>
+        <pc:spChg chg="add del">
+          <ac:chgData name="Loutfi, Patrick" userId="S::0373962@johnabbottcollege.net::836d6f16-c351-4597-8600-13c7ff7c5c3d" providerId="AD" clId="Web-{0FB169EE-66CA-4E17-8AF7-F2387A93C4A2}" dt="2023-01-23T02:22:47.961" v="9"/>
+          <ac:spMkLst>
+            <pc:docMk/>
+            <pc:sldMk cId="3238066584" sldId="287"/>
+            <ac:spMk id="6" creationId="{C150BC6B-8136-BEBD-21D9-64E3423CDEE6}"/>
+          </ac:spMkLst>
+        </pc:spChg>
+        <pc:spChg chg="add del">
+          <ac:chgData name="Loutfi, Patrick" userId="S::0373962@johnabbottcollege.net::836d6f16-c351-4597-8600-13c7ff7c5c3d" providerId="AD" clId="Web-{0FB169EE-66CA-4E17-8AF7-F2387A93C4A2}" dt="2023-01-23T02:23:40.025" v="19"/>
+          <ac:spMkLst>
+            <pc:docMk/>
+            <pc:sldMk cId="3238066584" sldId="287"/>
+            <ac:spMk id="7" creationId="{C1E22824-51E4-AEF6-E87F-0020E8335B3A}"/>
+          </ac:spMkLst>
+        </pc:spChg>
+        <pc:spChg chg="add del">
+          <ac:chgData name="Loutfi, Patrick" userId="S::0373962@johnabbottcollege.net::836d6f16-c351-4597-8600-13c7ff7c5c3d" providerId="AD" clId="Web-{0FB169EE-66CA-4E17-8AF7-F2387A93C4A2}" dt="2023-01-23T02:23:40.025" v="19"/>
+          <ac:spMkLst>
+            <pc:docMk/>
+            <pc:sldMk cId="3238066584" sldId="287"/>
+            <ac:spMk id="8" creationId="{BC3DAF44-807A-2B23-5D1D-17AD6A98B859}"/>
+          </ac:spMkLst>
+        </pc:spChg>
+        <pc:spChg chg="add del">
+          <ac:chgData name="Loutfi, Patrick" userId="S::0373962@johnabbottcollege.net::836d6f16-c351-4597-8600-13c7ff7c5c3d" providerId="AD" clId="Web-{0FB169EE-66CA-4E17-8AF7-F2387A93C4A2}" dt="2023-01-23T02:23:40.025" v="19"/>
+          <ac:spMkLst>
+            <pc:docMk/>
+            <pc:sldMk cId="3238066584" sldId="287"/>
+            <ac:spMk id="9" creationId="{6B632F09-BFFD-ADA2-E921-52BA98C007B0}"/>
+          </ac:spMkLst>
+        </pc:spChg>
+        <pc:spChg chg="del">
+          <ac:chgData name="Loutfi, Patrick" userId="S::0373962@johnabbottcollege.net::836d6f16-c351-4597-8600-13c7ff7c5c3d" providerId="AD" clId="Web-{0FB169EE-66CA-4E17-8AF7-F2387A93C4A2}" dt="2023-01-23T02:23:40.025" v="19"/>
+          <ac:spMkLst>
+            <pc:docMk/>
+            <pc:sldMk cId="3238066584" sldId="287"/>
+            <ac:spMk id="13" creationId="{CA535638-9E60-37E1-A18C-898BE079A987}"/>
+          </ac:spMkLst>
+        </pc:spChg>
+        <pc:spChg chg="add del mod">
+          <ac:chgData name="Loutfi, Patrick" userId="S::0373962@johnabbottcollege.net::836d6f16-c351-4597-8600-13c7ff7c5c3d" providerId="AD" clId="Web-{0FB169EE-66CA-4E17-8AF7-F2387A93C4A2}" dt="2023-01-23T02:22:40.539" v="7"/>
+          <ac:spMkLst>
+            <pc:docMk/>
+            <pc:sldMk cId="3238066584" sldId="287"/>
+            <ac:spMk id="15" creationId="{5C76C3DB-CB5E-C33D-E32A-B8D05F1A8E83}"/>
+          </ac:spMkLst>
+        </pc:spChg>
+        <pc:spChg chg="add del mod">
+          <ac:chgData name="Loutfi, Patrick" userId="S::0373962@johnabbottcollege.net::836d6f16-c351-4597-8600-13c7ff7c5c3d" providerId="AD" clId="Web-{0FB169EE-66CA-4E17-8AF7-F2387A93C4A2}" dt="2023-01-23T02:22:40.539" v="7"/>
+          <ac:spMkLst>
+            <pc:docMk/>
+            <pc:sldMk cId="3238066584" sldId="287"/>
+            <ac:spMk id="17" creationId="{A79D7D76-8132-DC18-8146-698CCE0238AC}"/>
+          </ac:spMkLst>
+        </pc:spChg>
+        <pc:spChg chg="add del mod">
+          <ac:chgData name="Loutfi, Patrick" userId="S::0373962@johnabbottcollege.net::836d6f16-c351-4597-8600-13c7ff7c5c3d" providerId="AD" clId="Web-{0FB169EE-66CA-4E17-8AF7-F2387A93C4A2}" dt="2023-01-23T02:23:49.384" v="22"/>
+          <ac:spMkLst>
+            <pc:docMk/>
+            <pc:sldMk cId="3238066584" sldId="287"/>
+            <ac:spMk id="18" creationId="{7590FFD0-BE50-56D7-D381-1DA876013B9C}"/>
+          </ac:spMkLst>
+        </pc:spChg>
+        <pc:spChg chg="add del mod">
+          <ac:chgData name="Loutfi, Patrick" userId="S::0373962@johnabbottcollege.net::836d6f16-c351-4597-8600-13c7ff7c5c3d" providerId="AD" clId="Web-{0FB169EE-66CA-4E17-8AF7-F2387A93C4A2}" dt="2023-01-23T02:22:40.539" v="7"/>
+          <ac:spMkLst>
+            <pc:docMk/>
+            <pc:sldMk cId="3238066584" sldId="287"/>
+            <ac:spMk id="19" creationId="{69A412AE-2C02-42E4-4863-8E8877A9A9D9}"/>
+          </ac:spMkLst>
+        </pc:spChg>
+        <pc:spChg chg="add del mod">
+          <ac:chgData name="Loutfi, Patrick" userId="S::0373962@johnabbottcollege.net::836d6f16-c351-4597-8600-13c7ff7c5c3d" providerId="AD" clId="Web-{0FB169EE-66CA-4E17-8AF7-F2387A93C4A2}" dt="2023-01-23T02:23:50.837" v="23"/>
+          <ac:spMkLst>
+            <pc:docMk/>
+            <pc:sldMk cId="3238066584" sldId="287"/>
+            <ac:spMk id="20" creationId="{5A2D0543-812C-5F59-51A4-581CC1EFAC1E}"/>
+          </ac:spMkLst>
+        </pc:spChg>
+        <pc:spChg chg="add del mod">
+          <ac:chgData name="Loutfi, Patrick" userId="S::0373962@johnabbottcollege.net::836d6f16-c351-4597-8600-13c7ff7c5c3d" providerId="AD" clId="Web-{0FB169EE-66CA-4E17-8AF7-F2387A93C4A2}" dt="2023-01-23T02:22:40.539" v="7"/>
+          <ac:spMkLst>
+            <pc:docMk/>
+            <pc:sldMk cId="3238066584" sldId="287"/>
+            <ac:spMk id="21" creationId="{3DE0E45D-B96E-246E-98BC-52A693F88759}"/>
+          </ac:spMkLst>
+        </pc:spChg>
+        <pc:spChg chg="add del mod">
+          <ac:chgData name="Loutfi, Patrick" userId="S::0373962@johnabbottcollege.net::836d6f16-c351-4597-8600-13c7ff7c5c3d" providerId="AD" clId="Web-{0FB169EE-66CA-4E17-8AF7-F2387A93C4A2}" dt="2023-01-23T02:23:47.712" v="21"/>
+          <ac:spMkLst>
+            <pc:docMk/>
+            <pc:sldMk cId="3238066584" sldId="287"/>
+            <ac:spMk id="22" creationId="{C1051FA3-B78B-CE70-1E0F-587E4E4ADE11}"/>
+          </ac:spMkLst>
+        </pc:spChg>
+        <pc:spChg chg="add del mod">
+          <ac:chgData name="Loutfi, Patrick" userId="S::0373962@johnabbottcollege.net::836d6f16-c351-4597-8600-13c7ff7c5c3d" providerId="AD" clId="Web-{0FB169EE-66CA-4E17-8AF7-F2387A93C4A2}" dt="2023-01-23T02:22:40.539" v="7"/>
+          <ac:spMkLst>
+            <pc:docMk/>
+            <pc:sldMk cId="3238066584" sldId="287"/>
+            <ac:spMk id="23" creationId="{D11E466F-95DB-EEC2-37A3-5F7216C1F248}"/>
+          </ac:spMkLst>
+        </pc:spChg>
+        <pc:spChg chg="add del mod">
+          <ac:chgData name="Loutfi, Patrick" userId="S::0373962@johnabbottcollege.net::836d6f16-c351-4597-8600-13c7ff7c5c3d" providerId="AD" clId="Web-{0FB169EE-66CA-4E17-8AF7-F2387A93C4A2}" dt="2023-01-23T02:23:46.556" v="20"/>
+          <ac:spMkLst>
+            <pc:docMk/>
+            <pc:sldMk cId="3238066584" sldId="287"/>
+            <ac:spMk id="24" creationId="{A6AF54D5-AB32-511C-2577-C54057EEF544}"/>
+          </ac:spMkLst>
+        </pc:spChg>
+        <pc:spChg chg="add del mod">
+          <ac:chgData name="Loutfi, Patrick" userId="S::0373962@johnabbottcollege.net::836d6f16-c351-4597-8600-13c7ff7c5c3d" providerId="AD" clId="Web-{0FB169EE-66CA-4E17-8AF7-F2387A93C4A2}" dt="2023-01-23T02:22:40.539" v="7"/>
+          <ac:spMkLst>
+            <pc:docMk/>
+            <pc:sldMk cId="3238066584" sldId="287"/>
+            <ac:spMk id="25" creationId="{58B028EE-B5C8-6B87-7182-4F32FF146C39}"/>
+          </ac:spMkLst>
+        </pc:spChg>
+        <pc:spChg chg="add mod">
+          <ac:chgData name="Loutfi, Patrick" userId="S::0373962@johnabbottcollege.net::836d6f16-c351-4597-8600-13c7ff7c5c3d" providerId="AD" clId="Web-{0FB169EE-66CA-4E17-8AF7-F2387A93C4A2}" dt="2023-01-23T02:24:04.806" v="36" actId="20577"/>
+          <ac:spMkLst>
+            <pc:docMk/>
+            <pc:sldMk cId="3238066584" sldId="287"/>
+            <ac:spMk id="26" creationId="{D7F13045-EDFF-8575-48F0-FD80907BF5F0}"/>
+          </ac:spMkLst>
+        </pc:spChg>
+        <pc:spChg chg="add del mod">
+          <ac:chgData name="Loutfi, Patrick" userId="S::0373962@johnabbottcollege.net::836d6f16-c351-4597-8600-13c7ff7c5c3d" providerId="AD" clId="Web-{0FB169EE-66CA-4E17-8AF7-F2387A93C4A2}" dt="2023-01-23T02:24:08.462" v="37"/>
+          <ac:spMkLst>
+            <pc:docMk/>
+            <pc:sldMk cId="3238066584" sldId="287"/>
+            <ac:spMk id="28" creationId="{1BA73EDE-F0B1-CA3D-D365-9D94982A55AD}"/>
+          </ac:spMkLst>
+        </pc:spChg>
+        <pc:picChg chg="add mod ord modCrop">
+          <ac:chgData name="Loutfi, Patrick" userId="S::0373962@johnabbottcollege.net::836d6f16-c351-4597-8600-13c7ff7c5c3d" providerId="AD" clId="Web-{0FB169EE-66CA-4E17-8AF7-F2387A93C4A2}" dt="2023-01-23T02:23:21.337" v="18" actId="1076"/>
+          <ac:picMkLst>
+            <pc:docMk/>
+            <pc:sldMk cId="3238066584" sldId="287"/>
+            <ac:picMk id="10" creationId="{460BC378-C70A-2E76-8397-AB2D967C934E}"/>
+          </ac:picMkLst>
+        </pc:picChg>
+        <pc:picChg chg="mod">
+          <ac:chgData name="Loutfi, Patrick" userId="S::0373962@johnabbottcollege.net::836d6f16-c351-4597-8600-13c7ff7c5c3d" providerId="AD" clId="Web-{0FB169EE-66CA-4E17-8AF7-F2387A93C4A2}" dt="2023-01-23T02:23:40.025" v="19"/>
+          <ac:picMkLst>
+            <pc:docMk/>
+            <pc:sldMk cId="3238066584" sldId="287"/>
+            <ac:picMk id="11" creationId="{F42B5084-7A07-4F16-C3F1-A182302043C2}"/>
+          </ac:picMkLst>
+        </pc:picChg>
+      </pc:sldChg>
+      <pc:sldChg chg="new del">
+        <pc:chgData name="Loutfi, Patrick" userId="S::0373962@johnabbottcollege.net::836d6f16-c351-4597-8600-13c7ff7c5c3d" providerId="AD" clId="Web-{0FB169EE-66CA-4E17-8AF7-F2387A93C4A2}" dt="2023-01-23T02:43:55.437" v="160"/>
+        <pc:sldMkLst>
+          <pc:docMk/>
+          <pc:sldMk cId="983462268" sldId="288"/>
+        </pc:sldMkLst>
+      </pc:sldChg>
+      <pc:sldChg chg="modSp add replId">
+        <pc:chgData name="Loutfi, Patrick" userId="S::0373962@johnabbottcollege.net::836d6f16-c351-4597-8600-13c7ff7c5c3d" providerId="AD" clId="Web-{0FB169EE-66CA-4E17-8AF7-F2387A93C4A2}" dt="2023-01-23T02:51:54.663" v="606" actId="20577"/>
+        <pc:sldMkLst>
+          <pc:docMk/>
+          <pc:sldMk cId="2711574802" sldId="289"/>
+        </pc:sldMkLst>
+        <pc:spChg chg="mod">
+          <ac:chgData name="Loutfi, Patrick" userId="S::0373962@johnabbottcollege.net::836d6f16-c351-4597-8600-13c7ff7c5c3d" providerId="AD" clId="Web-{0FB169EE-66CA-4E17-8AF7-F2387A93C4A2}" dt="2023-01-23T02:51:43.709" v="604" actId="20577"/>
+          <ac:spMkLst>
+            <pc:docMk/>
+            <pc:sldMk cId="2711574802" sldId="289"/>
+            <ac:spMk id="3" creationId="{8662971D-AD7E-9A6B-9B02-23513812C4FD}"/>
+          </ac:spMkLst>
+        </pc:spChg>
+        <pc:spChg chg="mod">
+          <ac:chgData name="Loutfi, Patrick" userId="S::0373962@johnabbottcollege.net::836d6f16-c351-4597-8600-13c7ff7c5c3d" providerId="AD" clId="Web-{0FB169EE-66CA-4E17-8AF7-F2387A93C4A2}" dt="2023-01-23T02:51:54.663" v="606" actId="20577"/>
+          <ac:spMkLst>
+            <pc:docMk/>
+            <pc:sldMk cId="2711574802" sldId="289"/>
+            <ac:spMk id="6" creationId="{46989CFE-14FA-81FB-D6DE-082128438138}"/>
+          </ac:spMkLst>
+        </pc:spChg>
+        <pc:spChg chg="mod">
+          <ac:chgData name="Loutfi, Patrick" userId="S::0373962@johnabbottcollege.net::836d6f16-c351-4597-8600-13c7ff7c5c3d" providerId="AD" clId="Web-{0FB169EE-66CA-4E17-8AF7-F2387A93C4A2}" dt="2023-01-23T02:47:13.206" v="385"/>
+          <ac:spMkLst>
+            <pc:docMk/>
+            <pc:sldMk cId="2711574802" sldId="289"/>
+            <ac:spMk id="32" creationId="{B16388D3-BE48-44F4-A6D7-DDF229373084}"/>
+          </ac:spMkLst>
+        </pc:spChg>
+        <pc:spChg chg="mod">
+          <ac:chgData name="Loutfi, Patrick" userId="S::0373962@johnabbottcollege.net::836d6f16-c351-4597-8600-13c7ff7c5c3d" providerId="AD" clId="Web-{0FB169EE-66CA-4E17-8AF7-F2387A93C4A2}" dt="2023-01-23T02:44:24.328" v="186" actId="14100"/>
+          <ac:spMkLst>
+            <pc:docMk/>
+            <pc:sldMk cId="2711574802" sldId="289"/>
+            <ac:spMk id="86" creationId="{FD30442A-A1AE-4FD1-B045-22F09C71CB76}"/>
+          </ac:spMkLst>
+        </pc:spChg>
+      </pc:sldChg>
+    </pc:docChg>
+  </pc:docChgLst>
+  <pc:docChgLst>
+    <pc:chgData name="P L" userId="556282e3752c74c5" providerId="LiveId" clId="{673FF5AA-BC8A-40B1-B243-5C41C98D4BAA}"/>
+    <pc:docChg chg="undo custSel addSld delSld modSld sldOrd addSection delSection">
+      <pc:chgData name="P L" userId="556282e3752c74c5" providerId="LiveId" clId="{673FF5AA-BC8A-40B1-B243-5C41C98D4BAA}" dt="2023-01-23T02:00:34.256" v="3390" actId="20577"/>
+      <pc:docMkLst>
+        <pc:docMk/>
+      </pc:docMkLst>
+      <pc:sldChg chg="addSp delSp modSp mod">
+        <pc:chgData name="P L" userId="556282e3752c74c5" providerId="LiveId" clId="{673FF5AA-BC8A-40B1-B243-5C41C98D4BAA}" dt="2023-01-23T01:21:07.376" v="2670" actId="255"/>
+        <pc:sldMkLst>
+          <pc:docMk/>
+          <pc:sldMk cId="719325024" sldId="272"/>
+        </pc:sldMkLst>
+        <pc:spChg chg="add del mod">
+          <ac:chgData name="P L" userId="556282e3752c74c5" providerId="LiveId" clId="{673FF5AA-BC8A-40B1-B243-5C41C98D4BAA}" dt="2023-01-23T01:12:24.211" v="2360" actId="478"/>
+          <ac:spMkLst>
+            <pc:docMk/>
+            <pc:sldMk cId="719325024" sldId="272"/>
+            <ac:spMk id="3" creationId="{642AC721-D170-F00C-DADF-97B7CA49135D}"/>
+          </ac:spMkLst>
+        </pc:spChg>
+        <pc:spChg chg="add del mod">
+          <ac:chgData name="P L" userId="556282e3752c74c5" providerId="LiveId" clId="{673FF5AA-BC8A-40B1-B243-5C41C98D4BAA}" dt="2023-01-23T01:12:41.108" v="2362" actId="478"/>
+          <ac:spMkLst>
+            <pc:docMk/>
+            <pc:sldMk cId="719325024" sldId="272"/>
+            <ac:spMk id="5" creationId="{AA07D0D6-11A3-3A17-3A7F-25DDC2B7E830}"/>
+          </ac:spMkLst>
+        </pc:spChg>
+        <pc:spChg chg="del">
+          <ac:chgData name="P L" userId="556282e3752c74c5" providerId="LiveId" clId="{673FF5AA-BC8A-40B1-B243-5C41C98D4BAA}" dt="2023-01-23T01:12:22.237" v="2359" actId="478"/>
+          <ac:spMkLst>
+            <pc:docMk/>
+            <pc:sldMk cId="719325024" sldId="272"/>
+            <ac:spMk id="11" creationId="{8F457663-49C5-4FE7-93F7-6D408078AC66}"/>
+          </ac:spMkLst>
+        </pc:spChg>
+        <pc:spChg chg="add del mod">
+          <ac:chgData name="P L" userId="556282e3752c74c5" providerId="LiveId" clId="{673FF5AA-BC8A-40B1-B243-5C41C98D4BAA}" dt="2023-01-23T01:18:12.140" v="2641" actId="478"/>
+          <ac:spMkLst>
+            <pc:docMk/>
+            <pc:sldMk cId="719325024" sldId="272"/>
+            <ac:spMk id="12" creationId="{D0E6F25B-142C-6B3A-B19C-7672DA300ED7}"/>
+          </ac:spMkLst>
+        </pc:spChg>
+        <pc:spChg chg="mod">
+          <ac:chgData name="P L" userId="556282e3752c74c5" providerId="LiveId" clId="{673FF5AA-BC8A-40B1-B243-5C41C98D4BAA}" dt="2023-01-23T01:21:07.376" v="2670" actId="255"/>
+          <ac:spMkLst>
+            <pc:docMk/>
+            <pc:sldMk cId="719325024" sldId="272"/>
+            <ac:spMk id="14" creationId="{2435A574-EC9F-4321-9CA3-5D765C30B3E2}"/>
+          </ac:spMkLst>
+        </pc:spChg>
+        <pc:spChg chg="add del mod">
+          <ac:chgData name="P L" userId="556282e3752c74c5" providerId="LiveId" clId="{673FF5AA-BC8A-40B1-B243-5C41C98D4BAA}" dt="2023-01-23T01:18:14.932" v="2643" actId="478"/>
+          <ac:spMkLst>
+            <pc:docMk/>
+            <pc:sldMk cId="719325024" sldId="272"/>
+            <ac:spMk id="15" creationId="{2949BEB4-D031-76EC-7FBF-3B98F6AF7661}"/>
+          </ac:spMkLst>
+        </pc:spChg>
+        <pc:spChg chg="del">
+          <ac:chgData name="P L" userId="556282e3752c74c5" providerId="LiveId" clId="{673FF5AA-BC8A-40B1-B243-5C41C98D4BAA}" dt="2023-01-23T01:18:13.773" v="2642" actId="478"/>
+          <ac:spMkLst>
+            <pc:docMk/>
+            <pc:sldMk cId="719325024" sldId="272"/>
+            <ac:spMk id="22" creationId="{3F0CFD1C-F6E7-4B83-AB91-F24AF9E65390}"/>
+          </ac:spMkLst>
+        </pc:spChg>
+        <pc:spChg chg="del">
+          <ac:chgData name="P L" userId="556282e3752c74c5" providerId="LiveId" clId="{673FF5AA-BC8A-40B1-B243-5C41C98D4BAA}" dt="2023-01-23T01:18:09.477" v="2640" actId="478"/>
+          <ac:spMkLst>
+            <pc:docMk/>
+            <pc:sldMk cId="719325024" sldId="272"/>
+            <ac:spMk id="26" creationId="{DAB717E8-011C-4547-A6B4-B8F2FE4F15FD}"/>
+          </ac:spMkLst>
+        </pc:spChg>
+        <pc:spChg chg="mod">
+          <ac:chgData name="P L" userId="556282e3752c74c5" providerId="LiveId" clId="{673FF5AA-BC8A-40B1-B243-5C41C98D4BAA}" dt="2023-01-23T01:16:25.140" v="2591" actId="14100"/>
+          <ac:spMkLst>
+            <pc:docMk/>
+            <pc:sldMk cId="719325024" sldId="272"/>
+            <ac:spMk id="115" creationId="{D328ED67-05E4-4380-99B0-44D2DEB5311C}"/>
+          </ac:spMkLst>
+        </pc:spChg>
+        <pc:picChg chg="mod">
+          <ac:chgData name="P L" userId="556282e3752c74c5" providerId="LiveId" clId="{673FF5AA-BC8A-40B1-B243-5C41C98D4BAA}" dt="2023-01-23T01:12:56.343" v="2365" actId="14100"/>
+          <ac:picMkLst>
+            <pc:docMk/>
+            <pc:sldMk cId="719325024" sldId="272"/>
+            <ac:picMk id="7" creationId="{1E006552-A299-4408-9F54-B196F5056EA4}"/>
+          </ac:picMkLst>
+        </pc:picChg>
+        <pc:picChg chg="del">
+          <ac:chgData name="P L" userId="556282e3752c74c5" providerId="LiveId" clId="{673FF5AA-BC8A-40B1-B243-5C41C98D4BAA}" dt="2023-01-23T01:12:38.380" v="2361" actId="478"/>
+          <ac:picMkLst>
+            <pc:docMk/>
+            <pc:sldMk cId="719325024" sldId="272"/>
+            <ac:picMk id="8" creationId="{672E69F0-216F-41E3-A8BF-4C5DA81E1445}"/>
+          </ac:picMkLst>
+        </pc:picChg>
+        <pc:picChg chg="add mod">
+          <ac:chgData name="P L" userId="556282e3752c74c5" providerId="LiveId" clId="{673FF5AA-BC8A-40B1-B243-5C41C98D4BAA}" dt="2023-01-23T01:13:21.860" v="2370" actId="1076"/>
+          <ac:picMkLst>
+            <pc:docMk/>
+            <pc:sldMk cId="719325024" sldId="272"/>
+            <ac:picMk id="9" creationId="{41A56112-F44D-6534-1071-6A2C5713DEF6}"/>
+          </ac:picMkLst>
+        </pc:picChg>
+      </pc:sldChg>
+      <pc:sldChg chg="addSp delSp modSp mod">
+        <pc:chgData name="P L" userId="556282e3752c74c5" providerId="LiveId" clId="{673FF5AA-BC8A-40B1-B243-5C41C98D4BAA}" dt="2023-01-23T01:20:31.718" v="2669" actId="1076"/>
+        <pc:sldMkLst>
+          <pc:docMk/>
+          <pc:sldMk cId="2102125650" sldId="274"/>
+        </pc:sldMkLst>
+        <pc:spChg chg="del mod">
+          <ac:chgData name="P L" userId="556282e3752c74c5" providerId="LiveId" clId="{673FF5AA-BC8A-40B1-B243-5C41C98D4BAA}" dt="2023-01-23T00:26:30.089" v="1139" actId="478"/>
+          <ac:spMkLst>
+            <pc:docMk/>
+            <pc:sldMk cId="2102125650" sldId="274"/>
+            <ac:spMk id="2" creationId="{80C64EB9-E6EA-45AD-9476-BDDE89985057}"/>
+          </ac:spMkLst>
+        </pc:spChg>
+        <pc:spChg chg="add mod">
+          <ac:chgData name="P L" userId="556282e3752c74c5" providerId="LiveId" clId="{673FF5AA-BC8A-40B1-B243-5C41C98D4BAA}" dt="2023-01-23T00:27:22.688" v="1160" actId="20577"/>
+          <ac:spMkLst>
+            <pc:docMk/>
+            <pc:sldMk cId="2102125650" sldId="274"/>
+            <ac:spMk id="3" creationId="{8662971D-AD7E-9A6B-9B02-23513812C4FD}"/>
+          </ac:spMkLst>
+        </pc:spChg>
+        <pc:spChg chg="add del mod">
+          <ac:chgData name="P L" userId="556282e3752c74c5" providerId="LiveId" clId="{673FF5AA-BC8A-40B1-B243-5C41C98D4BAA}" dt="2023-01-23T00:26:33.752" v="1140" actId="478"/>
+          <ac:spMkLst>
+            <pc:docMk/>
+            <pc:sldMk cId="2102125650" sldId="274"/>
+            <ac:spMk id="5" creationId="{35F1248C-E4DF-FC27-6462-0B4B8B2D3358}"/>
+          </ac:spMkLst>
+        </pc:spChg>
+        <pc:spChg chg="add mod">
+          <ac:chgData name="P L" userId="556282e3752c74c5" providerId="LiveId" clId="{673FF5AA-BC8A-40B1-B243-5C41C98D4BAA}" dt="2023-01-23T01:00:12.446" v="2181" actId="5793"/>
+          <ac:spMkLst>
+            <pc:docMk/>
+            <pc:sldMk cId="2102125650" sldId="274"/>
+            <ac:spMk id="6" creationId="{46989CFE-14FA-81FB-D6DE-082128438138}"/>
+          </ac:spMkLst>
+        </pc:spChg>
+        <pc:spChg chg="add del mod">
+          <ac:chgData name="P L" userId="556282e3752c74c5" providerId="LiveId" clId="{673FF5AA-BC8A-40B1-B243-5C41C98D4BAA}" dt="2023-01-23T00:28:11.240" v="1205" actId="478"/>
+          <ac:spMkLst>
+            <pc:docMk/>
+            <pc:sldMk cId="2102125650" sldId="274"/>
+            <ac:spMk id="10" creationId="{BDC712FB-7B13-8791-26CD-CB6BA97E7894}"/>
+          </ac:spMkLst>
+        </pc:spChg>
+        <pc:spChg chg="add del mod">
+          <ac:chgData name="P L" userId="556282e3752c74c5" providerId="LiveId" clId="{673FF5AA-BC8A-40B1-B243-5C41C98D4BAA}" dt="2023-01-23T00:28:16.280" v="1207" actId="478"/>
+          <ac:spMkLst>
+            <pc:docMk/>
+            <pc:sldMk cId="2102125650" sldId="274"/>
+            <ac:spMk id="12" creationId="{F3C00158-5DF7-237B-A94A-B46910B8AA29}"/>
+          </ac:spMkLst>
+        </pc:spChg>
+        <pc:spChg chg="del">
+          <ac:chgData name="P L" userId="556282e3752c74c5" providerId="LiveId" clId="{673FF5AA-BC8A-40B1-B243-5C41C98D4BAA}" dt="2023-01-23T00:28:13.241" v="1206" actId="478"/>
+          <ac:spMkLst>
+            <pc:docMk/>
+            <pc:sldMk cId="2102125650" sldId="274"/>
+            <ac:spMk id="23" creationId="{24508FAD-2D2E-458D-B98F-3AB625F327B6}"/>
+          </ac:spMkLst>
+        </pc:spChg>
+        <pc:spChg chg="del mod">
+          <ac:chgData name="P L" userId="556282e3752c74c5" providerId="LiveId" clId="{673FF5AA-BC8A-40B1-B243-5C41C98D4BAA}" dt="2023-01-23T00:28:09.129" v="1204" actId="478"/>
+          <ac:spMkLst>
+            <pc:docMk/>
+            <pc:sldMk cId="2102125650" sldId="274"/>
+            <ac:spMk id="24" creationId="{0FD12705-AB70-40E3-A13F-B36B09C895BA}"/>
+          </ac:spMkLst>
+        </pc:spChg>
+        <pc:spChg chg="mod">
+          <ac:chgData name="P L" userId="556282e3752c74c5" providerId="LiveId" clId="{673FF5AA-BC8A-40B1-B243-5C41C98D4BAA}" dt="2023-01-23T01:20:19.932" v="2668" actId="14100"/>
+          <ac:spMkLst>
+            <pc:docMk/>
+            <pc:sldMk cId="2102125650" sldId="274"/>
+            <ac:spMk id="32" creationId="{B16388D3-BE48-44F4-A6D7-DDF229373084}"/>
+          </ac:spMkLst>
+        </pc:spChg>
+        <pc:spChg chg="mod">
+          <ac:chgData name="P L" userId="556282e3752c74c5" providerId="LiveId" clId="{673FF5AA-BC8A-40B1-B243-5C41C98D4BAA}" dt="2023-01-23T01:20:31.718" v="2669" actId="1076"/>
+          <ac:spMkLst>
+            <pc:docMk/>
+            <pc:sldMk cId="2102125650" sldId="274"/>
+            <ac:spMk id="86" creationId="{FD30442A-A1AE-4FD1-B045-22F09C71CB76}"/>
+          </ac:spMkLst>
+        </pc:spChg>
+      </pc:sldChg>
+      <pc:sldChg chg="addSp delSp modSp mod">
+        <pc:chgData name="P L" userId="556282e3752c74c5" providerId="LiveId" clId="{673FF5AA-BC8A-40B1-B243-5C41C98D4BAA}" dt="2023-01-23T01:11:59.690" v="2358" actId="403"/>
+        <pc:sldMkLst>
+          <pc:docMk/>
+          <pc:sldMk cId="346886234" sldId="275"/>
+        </pc:sldMkLst>
+        <pc:spChg chg="mod">
+          <ac:chgData name="P L" userId="556282e3752c74c5" providerId="LiveId" clId="{673FF5AA-BC8A-40B1-B243-5C41C98D4BAA}" dt="2023-01-23T00:29:35.974" v="1217" actId="1076"/>
+          <ac:spMkLst>
+            <pc:docMk/>
+            <pc:sldMk cId="346886234" sldId="275"/>
+            <ac:spMk id="2" creationId="{F120A808-7F12-4113-98A3-D227177B9671}"/>
+          </ac:spMkLst>
+        </pc:spChg>
+        <pc:spChg chg="mod">
+          <ac:chgData name="P L" userId="556282e3752c74c5" providerId="LiveId" clId="{673FF5AA-BC8A-40B1-B243-5C41C98D4BAA}" dt="2023-01-23T00:29:11.956" v="1213" actId="1076"/>
+          <ac:spMkLst>
+            <pc:docMk/>
+            <pc:sldMk cId="346886234" sldId="275"/>
+            <ac:spMk id="3" creationId="{404F6AA6-65E7-4E7A-B550-6220A6167640}"/>
+          </ac:spMkLst>
+        </pc:spChg>
+        <pc:spChg chg="mod">
+          <ac:chgData name="P L" userId="556282e3752c74c5" providerId="LiveId" clId="{673FF5AA-BC8A-40B1-B243-5C41C98D4BAA}" dt="2023-01-23T00:28:53.085" v="1212" actId="1076"/>
+          <ac:spMkLst>
+            <pc:docMk/>
+            <pc:sldMk cId="346886234" sldId="275"/>
+            <ac:spMk id="4" creationId="{211550C0-A744-4D4E-B2C1-590932188019}"/>
+          </ac:spMkLst>
+        </pc:spChg>
+        <pc:spChg chg="mod">
+          <ac:chgData name="P L" userId="556282e3752c74c5" providerId="LiveId" clId="{673FF5AA-BC8A-40B1-B243-5C41C98D4BAA}" dt="2023-01-23T01:11:59.690" v="2358" actId="403"/>
+          <ac:spMkLst>
+            <pc:docMk/>
+            <pc:sldMk cId="346886234" sldId="275"/>
+            <ac:spMk id="5" creationId="{7CD61503-6CC8-46FC-A387-705D37A0FDBF}"/>
+          </ac:spMkLst>
+        </pc:spChg>
+        <pc:spChg chg="add del mod">
+          <ac:chgData name="P L" userId="556282e3752c74c5" providerId="LiveId" clId="{673FF5AA-BC8A-40B1-B243-5C41C98D4BAA}" dt="2023-01-22T22:04:42.372" v="79" actId="478"/>
+          <ac:spMkLst>
+            <pc:docMk/>
+            <pc:sldMk cId="346886234" sldId="275"/>
+            <ac:spMk id="7" creationId="{FA635944-E53B-A447-0079-AE20752B88EE}"/>
+          </ac:spMkLst>
+        </pc:spChg>
+        <pc:spChg chg="add del mod">
+          <ac:chgData name="P L" userId="556282e3752c74c5" providerId="LiveId" clId="{673FF5AA-BC8A-40B1-B243-5C41C98D4BAA}" dt="2023-01-23T00:29:21.280" v="1214" actId="478"/>
+          <ac:spMkLst>
+            <pc:docMk/>
+            <pc:sldMk cId="346886234" sldId="275"/>
+            <ac:spMk id="8" creationId="{88FC02D8-E732-62B8-223A-2BE7526F92C6}"/>
+          </ac:spMkLst>
+        </pc:spChg>
+        <pc:spChg chg="mod">
+          <ac:chgData name="P L" userId="556282e3752c74c5" providerId="LiveId" clId="{673FF5AA-BC8A-40B1-B243-5C41C98D4BAA}" dt="2023-01-23T00:29:56.747" v="1220" actId="1076"/>
+          <ac:spMkLst>
+            <pc:docMk/>
+            <pc:sldMk cId="346886234" sldId="275"/>
+            <ac:spMk id="39" creationId="{28E4C3E5-39D0-4E73-92D1-37B7D32F08A7}"/>
+          </ac:spMkLst>
+        </pc:spChg>
+        <pc:spChg chg="del mod">
+          <ac:chgData name="P L" userId="556282e3752c74c5" providerId="LiveId" clId="{673FF5AA-BC8A-40B1-B243-5C41C98D4BAA}" dt="2023-01-22T22:04:39.306" v="78" actId="478"/>
+          <ac:spMkLst>
+            <pc:docMk/>
+            <pc:sldMk cId="346886234" sldId="275"/>
+            <ac:spMk id="40" creationId="{5047EA2A-40A4-486B-B8C9-03B7FB007759}"/>
+          </ac:spMkLst>
+        </pc:spChg>
+        <pc:picChg chg="mod">
+          <ac:chgData name="P L" userId="556282e3752c74c5" providerId="LiveId" clId="{673FF5AA-BC8A-40B1-B243-5C41C98D4BAA}" dt="2023-01-23T00:29:43.771" v="1218" actId="1076"/>
+          <ac:picMkLst>
+            <pc:docMk/>
+            <pc:sldMk cId="346886234" sldId="275"/>
+            <ac:picMk id="48" creationId="{56A4B0FF-F042-47B0-871D-4A36B729342A}"/>
+          </ac:picMkLst>
+        </pc:picChg>
+      </pc:sldChg>
+      <pc:sldChg chg="addSp delSp modSp mod">
+        <pc:chgData name="P L" userId="556282e3752c74c5" providerId="LiveId" clId="{673FF5AA-BC8A-40B1-B243-5C41C98D4BAA}" dt="2023-01-23T01:19:40.550" v="2660" actId="403"/>
+        <pc:sldMkLst>
+          <pc:docMk/>
+          <pc:sldMk cId="4244764810" sldId="276"/>
+        </pc:sldMkLst>
+        <pc:spChg chg="add del mod">
+          <ac:chgData name="P L" userId="556282e3752c74c5" providerId="LiveId" clId="{673FF5AA-BC8A-40B1-B243-5C41C98D4BAA}" dt="2023-01-22T22:11:31.428" v="106" actId="478"/>
+          <ac:spMkLst>
+            <pc:docMk/>
+            <pc:sldMk cId="4244764810" sldId="276"/>
+            <ac:spMk id="3" creationId="{9F2813AE-08E6-4891-4F3C-29D82C28EBE1}"/>
+          </ac:spMkLst>
+        </pc:spChg>
+        <pc:spChg chg="add del mod">
+          <ac:chgData name="P L" userId="556282e3752c74c5" providerId="LiveId" clId="{673FF5AA-BC8A-40B1-B243-5C41C98D4BAA}" dt="2023-01-23T01:07:02.476" v="2335" actId="478"/>
+          <ac:spMkLst>
+            <pc:docMk/>
+            <pc:sldMk cId="4244764810" sldId="276"/>
+            <ac:spMk id="9" creationId="{31D70F81-7E33-27D1-3241-82EAC401167D}"/>
+          </ac:spMkLst>
+        </pc:spChg>
+        <pc:spChg chg="add del mod">
+          <ac:chgData name="P L" userId="556282e3752c74c5" providerId="LiveId" clId="{673FF5AA-BC8A-40B1-B243-5C41C98D4BAA}" dt="2023-01-23T01:07:08.988" v="2337" actId="478"/>
+          <ac:spMkLst>
+            <pc:docMk/>
+            <pc:sldMk cId="4244764810" sldId="276"/>
+            <ac:spMk id="11" creationId="{AA40573A-B642-945A-DA14-249AC29F601D}"/>
+          </ac:spMkLst>
+        </pc:spChg>
+        <pc:spChg chg="add del mod">
+          <ac:chgData name="P L" userId="556282e3752c74c5" providerId="LiveId" clId="{673FF5AA-BC8A-40B1-B243-5C41C98D4BAA}" dt="2023-01-23T01:07:12.868" v="2339" actId="478"/>
+          <ac:spMkLst>
+            <pc:docMk/>
+            <pc:sldMk cId="4244764810" sldId="276"/>
+            <ac:spMk id="13" creationId="{287BE5EB-C426-E919-8B59-0F100B855074}"/>
+          </ac:spMkLst>
+        </pc:spChg>
+        <pc:spChg chg="del mod">
+          <ac:chgData name="P L" userId="556282e3752c74c5" providerId="LiveId" clId="{673FF5AA-BC8A-40B1-B243-5C41C98D4BAA}" dt="2023-01-23T01:07:00.590" v="2334" actId="478"/>
+          <ac:spMkLst>
+            <pc:docMk/>
+            <pc:sldMk cId="4244764810" sldId="276"/>
+            <ac:spMk id="25" creationId="{85B9EC67-E16B-4644-BE4E-9F3520D5AECF}"/>
+          </ac:spMkLst>
+        </pc:spChg>
+        <pc:spChg chg="mod ord">
+          <ac:chgData name="P L" userId="556282e3752c74c5" providerId="LiveId" clId="{673FF5AA-BC8A-40B1-B243-5C41C98D4BAA}" dt="2023-01-23T01:19:40.550" v="2660" actId="403"/>
+          <ac:spMkLst>
+            <pc:docMk/>
+            <pc:sldMk cId="4244764810" sldId="276"/>
+            <ac:spMk id="26" creationId="{CE9C5F90-E573-43D7-AC40-5AD946F4D032}"/>
+          </ac:spMkLst>
+        </pc:spChg>
+        <pc:spChg chg="del mod">
+          <ac:chgData name="P L" userId="556282e3752c74c5" providerId="LiveId" clId="{673FF5AA-BC8A-40B1-B243-5C41C98D4BAA}" dt="2023-01-23T01:07:11.550" v="2338" actId="478"/>
+          <ac:spMkLst>
+            <pc:docMk/>
+            <pc:sldMk cId="4244764810" sldId="276"/>
+            <ac:spMk id="45" creationId="{2704561A-EBDC-4554-AB63-6E7F0AD34E9B}"/>
+          </ac:spMkLst>
+        </pc:spChg>
+        <pc:spChg chg="del mod">
+          <ac:chgData name="P L" userId="556282e3752c74c5" providerId="LiveId" clId="{673FF5AA-BC8A-40B1-B243-5C41C98D4BAA}" dt="2023-01-22T22:11:28.710" v="105" actId="478"/>
+          <ac:spMkLst>
+            <pc:docMk/>
+            <pc:sldMk cId="4244764810" sldId="276"/>
+            <ac:spMk id="46" creationId="{84AA5B14-11B0-4875-B1F5-69DBF1E46D68}"/>
+          </ac:spMkLst>
+        </pc:spChg>
+        <pc:spChg chg="del mod">
+          <ac:chgData name="P L" userId="556282e3752c74c5" providerId="LiveId" clId="{673FF5AA-BC8A-40B1-B243-5C41C98D4BAA}" dt="2023-01-23T01:07:06.911" v="2336" actId="478"/>
+          <ac:spMkLst>
+            <pc:docMk/>
+            <pc:sldMk cId="4244764810" sldId="276"/>
+            <ac:spMk id="47" creationId="{510886A2-18AD-4F58-A88D-0836A93378A0}"/>
+          </ac:spMkLst>
+        </pc:spChg>
+        <pc:spChg chg="del mod">
+          <ac:chgData name="P L" userId="556282e3752c74c5" providerId="LiveId" clId="{673FF5AA-BC8A-40B1-B243-5C41C98D4BAA}" dt="2023-01-23T01:04:04.146" v="2305" actId="26606"/>
+          <ac:spMkLst>
+            <pc:docMk/>
+            <pc:sldMk cId="4244764810" sldId="276"/>
+            <ac:spMk id="48" creationId="{188890BB-2976-4D42-B9BB-FE40645D1266}"/>
+          </ac:spMkLst>
+        </pc:spChg>
+        <pc:spChg chg="add del">
+          <ac:chgData name="P L" userId="556282e3752c74c5" providerId="LiveId" clId="{673FF5AA-BC8A-40B1-B243-5C41C98D4BAA}" dt="2023-01-23T01:07:14.492" v="2340" actId="478"/>
+          <ac:spMkLst>
+            <pc:docMk/>
+            <pc:sldMk cId="4244764810" sldId="276"/>
+            <ac:spMk id="53" creationId="{2CC71A2C-C9B0-9A56-8462-33FE3AF79E8C}"/>
+          </ac:spMkLst>
+        </pc:spChg>
+        <pc:picChg chg="add del mod ord">
+          <ac:chgData name="P L" userId="556282e3752c74c5" providerId="LiveId" clId="{673FF5AA-BC8A-40B1-B243-5C41C98D4BAA}" dt="2023-01-23T01:04:48.268" v="2307" actId="478"/>
+          <ac:picMkLst>
+            <pc:docMk/>
+            <pc:sldMk cId="4244764810" sldId="276"/>
+            <ac:picMk id="5" creationId="{B2A756B1-EAAA-2BA5-AD5D-87C06BF54740}"/>
+          </ac:picMkLst>
+        </pc:picChg>
+        <pc:picChg chg="add mod">
+          <ac:chgData name="P L" userId="556282e3752c74c5" providerId="LiveId" clId="{673FF5AA-BC8A-40B1-B243-5C41C98D4BAA}" dt="2023-01-23T01:11:41.190" v="2356" actId="14100"/>
+          <ac:picMkLst>
+            <pc:docMk/>
+            <pc:sldMk cId="4244764810" sldId="276"/>
+            <ac:picMk id="7" creationId="{4FBF41D3-E925-855C-B9E7-86E408354289}"/>
+          </ac:picMkLst>
+        </pc:picChg>
+        <pc:picChg chg="add del mod">
+          <ac:chgData name="P L" userId="556282e3752c74c5" providerId="LiveId" clId="{673FF5AA-BC8A-40B1-B243-5C41C98D4BAA}" dt="2023-01-23T01:10:03.908" v="2347" actId="478"/>
+          <ac:picMkLst>
+            <pc:docMk/>
+            <pc:sldMk cId="4244764810" sldId="276"/>
+            <ac:picMk id="15" creationId="{319819C7-080A-EDD4-7653-CE0F73B0F3B3}"/>
+          </ac:picMkLst>
+        </pc:picChg>
+        <pc:picChg chg="mod ord">
+          <ac:chgData name="P L" userId="556282e3752c74c5" providerId="LiveId" clId="{673FF5AA-BC8A-40B1-B243-5C41C98D4BAA}" dt="2023-01-23T01:04:04.146" v="2305" actId="26606"/>
+          <ac:picMkLst>
+            <pc:docMk/>
+            <pc:sldMk cId="4244764810" sldId="276"/>
+            <ac:picMk id="41" creationId="{B18AACB1-42A2-4B1E-8CE7-58311236AD5E}"/>
+          </ac:picMkLst>
+        </pc:picChg>
+      </pc:sldChg>
+      <pc:sldChg chg="addSp delSp modSp add mod modClrScheme chgLayout">
+        <pc:chgData name="P L" userId="556282e3752c74c5" providerId="LiveId" clId="{673FF5AA-BC8A-40B1-B243-5C41C98D4BAA}" dt="2023-01-23T01:32:17.194" v="2892" actId="20577"/>
+        <pc:sldMkLst>
+          <pc:docMk/>
+          <pc:sldMk cId="1120956423" sldId="277"/>
+        </pc:sldMkLst>
+        <pc:spChg chg="add del mod">
+          <ac:chgData name="P L" userId="556282e3752c74c5" providerId="LiveId" clId="{673FF5AA-BC8A-40B1-B243-5C41C98D4BAA}" dt="2023-01-23T01:23:28.976" v="2681" actId="21"/>
+          <ac:spMkLst>
+            <pc:docMk/>
+            <pc:sldMk cId="1120956423" sldId="277"/>
+            <ac:spMk id="3" creationId="{E5AA5489-DD32-C3F5-74FE-4F76D135FF25}"/>
+          </ac:spMkLst>
+        </pc:spChg>
+        <pc:spChg chg="add del mod">
+          <ac:chgData name="P L" userId="556282e3752c74c5" providerId="LiveId" clId="{673FF5AA-BC8A-40B1-B243-5C41C98D4BAA}" dt="2023-01-23T01:29:45.202" v="2838" actId="478"/>
+          <ac:spMkLst>
+            <pc:docMk/>
+            <pc:sldMk cId="1120956423" sldId="277"/>
+            <ac:spMk id="4" creationId="{7585D0DC-03E3-B537-B438-D6990A8F230E}"/>
+          </ac:spMkLst>
+        </pc:spChg>
+        <pc:spChg chg="add del mod">
+          <ac:chgData name="P L" userId="556282e3752c74c5" providerId="LiveId" clId="{673FF5AA-BC8A-40B1-B243-5C41C98D4BAA}" dt="2023-01-23T01:23:45.011" v="2685" actId="478"/>
+          <ac:spMkLst>
+            <pc:docMk/>
+            <pc:sldMk cId="1120956423" sldId="277"/>
+            <ac:spMk id="6" creationId="{2E864EAC-B108-350A-84B3-A882682104F6}"/>
+          </ac:spMkLst>
+        </pc:spChg>
+        <pc:spChg chg="add del">
+          <ac:chgData name="P L" userId="556282e3752c74c5" providerId="LiveId" clId="{673FF5AA-BC8A-40B1-B243-5C41C98D4BAA}" dt="2023-01-23T01:23:41.860" v="2684" actId="478"/>
+          <ac:spMkLst>
+            <pc:docMk/>
+            <pc:sldMk cId="1120956423" sldId="277"/>
+            <ac:spMk id="14" creationId="{2435A574-EC9F-4321-9CA3-5D765C30B3E2}"/>
+          </ac:spMkLst>
+        </pc:spChg>
+        <pc:spChg chg="add del mod">
+          <ac:chgData name="P L" userId="556282e3752c74c5" providerId="LiveId" clId="{673FF5AA-BC8A-40B1-B243-5C41C98D4BAA}" dt="2023-01-23T01:27:45.914" v="2716" actId="478"/>
+          <ac:spMkLst>
+            <pc:docMk/>
+            <pc:sldMk cId="1120956423" sldId="277"/>
+            <ac:spMk id="15" creationId="{B4417AD9-881D-705D-34A5-B97A6EA61DF5}"/>
+          </ac:spMkLst>
+        </pc:spChg>
+        <pc:spChg chg="add del mod">
+          <ac:chgData name="P L" userId="556282e3752c74c5" providerId="LiveId" clId="{673FF5AA-BC8A-40B1-B243-5C41C98D4BAA}" dt="2023-01-23T01:29:48.442" v="2840" actId="478"/>
+          <ac:spMkLst>
+            <pc:docMk/>
+            <pc:sldMk cId="1120956423" sldId="277"/>
+            <ac:spMk id="17" creationId="{B33F2648-A303-45D2-4A72-0D6E3E4ABC66}"/>
+          </ac:spMkLst>
+        </pc:spChg>
+        <pc:spChg chg="mod">
+          <ac:chgData name="P L" userId="556282e3752c74c5" providerId="LiveId" clId="{673FF5AA-BC8A-40B1-B243-5C41C98D4BAA}" dt="2023-01-23T01:30:22.403" v="2858" actId="20577"/>
+          <ac:spMkLst>
+            <pc:docMk/>
+            <pc:sldMk cId="1120956423" sldId="277"/>
+            <ac:spMk id="115" creationId="{D328ED67-05E4-4380-99B0-44D2DEB5311C}"/>
+          </ac:spMkLst>
+        </pc:spChg>
+        <pc:spChg chg="add del mod">
+          <ac:chgData name="P L" userId="556282e3752c74c5" providerId="LiveId" clId="{673FF5AA-BC8A-40B1-B243-5C41C98D4BAA}" dt="2023-01-23T01:30:26.370" v="2859" actId="478"/>
+          <ac:spMkLst>
+            <pc:docMk/>
+            <pc:sldMk cId="1120956423" sldId="277"/>
+            <ac:spMk id="120" creationId="{AE58D8CA-2004-CD93-69FB-282DC326D3E8}"/>
+          </ac:spMkLst>
+        </pc:spChg>
+        <pc:spChg chg="add mod">
+          <ac:chgData name="P L" userId="556282e3752c74c5" providerId="LiveId" clId="{673FF5AA-BC8A-40B1-B243-5C41C98D4BAA}" dt="2023-01-23T01:32:17.194" v="2892" actId="20577"/>
+          <ac:spMkLst>
+            <pc:docMk/>
+            <pc:sldMk cId="1120956423" sldId="277"/>
+            <ac:spMk id="122" creationId="{8025CF59-5347-93CB-CBBD-12B8ADFAB12E}"/>
+          </ac:spMkLst>
+        </pc:spChg>
+        <pc:picChg chg="del mod ord">
+          <ac:chgData name="P L" userId="556282e3752c74c5" providerId="LiveId" clId="{673FF5AA-BC8A-40B1-B243-5C41C98D4BAA}" dt="2023-01-23T01:27:44.491" v="2715" actId="478"/>
+          <ac:picMkLst>
+            <pc:docMk/>
+            <pc:sldMk cId="1120956423" sldId="277"/>
+            <ac:picMk id="7" creationId="{1E006552-A299-4408-9F54-B196F5056EA4}"/>
+          </ac:picMkLst>
+        </pc:picChg>
+        <pc:picChg chg="del">
+          <ac:chgData name="P L" userId="556282e3752c74c5" providerId="LiveId" clId="{673FF5AA-BC8A-40B1-B243-5C41C98D4BAA}" dt="2023-01-23T01:23:45.947" v="2686" actId="478"/>
+          <ac:picMkLst>
+            <pc:docMk/>
+            <pc:sldMk cId="1120956423" sldId="277"/>
+            <ac:picMk id="9" creationId="{41A56112-F44D-6534-1071-6A2C5713DEF6}"/>
+          </ac:picMkLst>
+        </pc:picChg>
+        <pc:picChg chg="add del mod">
+          <ac:chgData name="P L" userId="556282e3752c74c5" providerId="LiveId" clId="{673FF5AA-BC8A-40B1-B243-5C41C98D4BAA}" dt="2023-01-23T01:27:26.754" v="2711" actId="478"/>
+          <ac:picMkLst>
+            <pc:docMk/>
+            <pc:sldMk cId="1120956423" sldId="277"/>
+            <ac:picMk id="10" creationId="{F15D6732-1327-ED54-29FF-C75208073014}"/>
+          </ac:picMkLst>
+        </pc:picChg>
+        <pc:picChg chg="add mod">
+          <ac:chgData name="P L" userId="556282e3752c74c5" providerId="LiveId" clId="{673FF5AA-BC8A-40B1-B243-5C41C98D4BAA}" dt="2023-01-23T01:28:00.516" v="2720" actId="14100"/>
+          <ac:picMkLst>
+            <pc:docMk/>
+            <pc:sldMk cId="1120956423" sldId="277"/>
+            <ac:picMk id="12" creationId="{A3276756-54F5-F0B9-96AA-BEE09446290D}"/>
+          </ac:picMkLst>
+        </pc:picChg>
+        <pc:picChg chg="del mod">
+          <ac:chgData name="P L" userId="556282e3752c74c5" providerId="LiveId" clId="{673FF5AA-BC8A-40B1-B243-5C41C98D4BAA}" dt="2023-01-23T01:29:46.211" v="2839" actId="478"/>
+          <ac:picMkLst>
+            <pc:docMk/>
+            <pc:sldMk cId="1120956423" sldId="277"/>
+            <ac:picMk id="25" creationId="{3A866D61-5A53-48A0-9828-C82CDA027DCB}"/>
+          </ac:picMkLst>
+        </pc:picChg>
+      </pc:sldChg>
+      <pc:sldChg chg="new del">
+        <pc:chgData name="P L" userId="556282e3752c74c5" providerId="LiveId" clId="{673FF5AA-BC8A-40B1-B243-5C41C98D4BAA}" dt="2023-01-23T01:21:43.403" v="2672" actId="2696"/>
+        <pc:sldMkLst>
+          <pc:docMk/>
+          <pc:sldMk cId="2568386550" sldId="277"/>
+        </pc:sldMkLst>
+      </pc:sldChg>
+      <pc:sldChg chg="new del">
+        <pc:chgData name="P L" userId="556282e3752c74c5" providerId="LiveId" clId="{673FF5AA-BC8A-40B1-B243-5C41C98D4BAA}" dt="2023-01-23T01:22:21.497" v="2678" actId="2696"/>
+        <pc:sldMkLst>
+          <pc:docMk/>
+          <pc:sldMk cId="3374154903" sldId="277"/>
+        </pc:sldMkLst>
+      </pc:sldChg>
+      <pc:sldChg chg="new del">
+        <pc:chgData name="P L" userId="556282e3752c74c5" providerId="LiveId" clId="{673FF5AA-BC8A-40B1-B243-5C41C98D4BAA}" dt="2023-01-23T01:34:15.590" v="2896" actId="47"/>
+        <pc:sldMkLst>
+          <pc:docMk/>
+          <pc:sldMk cId="3247219396" sldId="278"/>
+        </pc:sldMkLst>
+      </pc:sldChg>
+      <pc:sldChg chg="addSp delSp modSp add mod modClrScheme chgLayout">
+        <pc:chgData name="P L" userId="556282e3752c74c5" providerId="LiveId" clId="{673FF5AA-BC8A-40B1-B243-5C41C98D4BAA}" dt="2023-01-23T01:41:35.169" v="3029" actId="790"/>
+        <pc:sldMkLst>
+          <pc:docMk/>
+          <pc:sldMk cId="1139043464" sldId="279"/>
+        </pc:sldMkLst>
+        <pc:spChg chg="add del mod">
+          <ac:chgData name="P L" userId="556282e3752c74c5" providerId="LiveId" clId="{673FF5AA-BC8A-40B1-B243-5C41C98D4BAA}" dt="2023-01-23T01:38:07.284" v="2924" actId="931"/>
+          <ac:spMkLst>
+            <pc:docMk/>
+            <pc:sldMk cId="1139043464" sldId="279"/>
+            <ac:spMk id="5" creationId="{C2CDAD18-8342-16A4-43E2-831C3977BD25}"/>
+          </ac:spMkLst>
+        </pc:spChg>
+        <pc:spChg chg="add del mod">
+          <ac:chgData name="P L" userId="556282e3752c74c5" providerId="LiveId" clId="{673FF5AA-BC8A-40B1-B243-5C41C98D4BAA}" dt="2023-01-23T01:38:12.017" v="2928" actId="478"/>
+          <ac:spMkLst>
+            <pc:docMk/>
+            <pc:sldMk cId="1139043464" sldId="279"/>
+            <ac:spMk id="9" creationId="{74F73BF2-9C2F-8C16-C984-8105FD498E41}"/>
+          </ac:spMkLst>
+        </pc:spChg>
+        <pc:spChg chg="add del mod ord">
+          <ac:chgData name="P L" userId="556282e3752c74c5" providerId="LiveId" clId="{673FF5AA-BC8A-40B1-B243-5C41C98D4BAA}" dt="2023-01-23T01:40:42.697" v="2975" actId="478"/>
+          <ac:spMkLst>
+            <pc:docMk/>
+            <pc:sldMk cId="1139043464" sldId="279"/>
+            <ac:spMk id="13" creationId="{9485B755-6ACB-C240-EDB3-BD32A3824B15}"/>
+          </ac:spMkLst>
+        </pc:spChg>
+        <pc:spChg chg="add del mod ord">
+          <ac:chgData name="P L" userId="556282e3752c74c5" providerId="LiveId" clId="{673FF5AA-BC8A-40B1-B243-5C41C98D4BAA}" dt="2023-01-23T01:41:00.969" v="2980" actId="478"/>
+          <ac:spMkLst>
+            <pc:docMk/>
+            <pc:sldMk cId="1139043464" sldId="279"/>
+            <ac:spMk id="14" creationId="{6BDAC873-9C00-277E-82C7-CBFD4B5FCD4B}"/>
+          </ac:spMkLst>
+        </pc:spChg>
+        <pc:spChg chg="add del mod ord">
+          <ac:chgData name="P L" userId="556282e3752c74c5" providerId="LiveId" clId="{673FF5AA-BC8A-40B1-B243-5C41C98D4BAA}" dt="2023-01-23T01:40:18.337" v="2962" actId="478"/>
+          <ac:spMkLst>
+            <pc:docMk/>
+            <pc:sldMk cId="1139043464" sldId="279"/>
+            <ac:spMk id="15" creationId="{EE64C21F-9715-C09D-8856-D8AD9B8B0DA6}"/>
+          </ac:spMkLst>
+        </pc:spChg>
+        <pc:spChg chg="add del mod ord">
+          <ac:chgData name="P L" userId="556282e3752c74c5" providerId="LiveId" clId="{673FF5AA-BC8A-40B1-B243-5C41C98D4BAA}" dt="2023-01-23T01:39:45.811" v="2949" actId="478"/>
+          <ac:spMkLst>
+            <pc:docMk/>
+            <pc:sldMk cId="1139043464" sldId="279"/>
+            <ac:spMk id="16" creationId="{45C829E0-6541-7D5F-8A5C-CC1ED25FEDE8}"/>
+          </ac:spMkLst>
+        </pc:spChg>
+        <pc:spChg chg="add del mod ord">
+          <ac:chgData name="P L" userId="556282e3752c74c5" providerId="LiveId" clId="{673FF5AA-BC8A-40B1-B243-5C41C98D4BAA}" dt="2023-01-23T01:39:13.417" v="2937" actId="478"/>
+          <ac:spMkLst>
+            <pc:docMk/>
+            <pc:sldMk cId="1139043464" sldId="279"/>
+            <ac:spMk id="17" creationId="{3C54FCEE-FC4D-FC97-9849-A9691965B32B}"/>
+          </ac:spMkLst>
+        </pc:spChg>
+        <pc:spChg chg="add del mod">
+          <ac:chgData name="P L" userId="556282e3752c74c5" providerId="LiveId" clId="{673FF5AA-BC8A-40B1-B243-5C41C98D4BAA}" dt="2023-01-23T01:40:08.299" v="2959" actId="478"/>
+          <ac:spMkLst>
+            <pc:docMk/>
+            <pc:sldMk cId="1139043464" sldId="279"/>
+            <ac:spMk id="19" creationId="{AF118049-4F38-70D9-150C-AA968790356C}"/>
+          </ac:spMkLst>
+        </pc:spChg>
+        <pc:spChg chg="add del mod">
+          <ac:chgData name="P L" userId="556282e3752c74c5" providerId="LiveId" clId="{673FF5AA-BC8A-40B1-B243-5C41C98D4BAA}" dt="2023-01-23T01:40:17.209" v="2961" actId="478"/>
+          <ac:spMkLst>
+            <pc:docMk/>
+            <pc:sldMk cId="1139043464" sldId="279"/>
+            <ac:spMk id="21" creationId="{FFF84FC0-347E-6097-9409-2C8F72B30E3F}"/>
+          </ac:spMkLst>
+        </pc:spChg>
+        <pc:spChg chg="add mod">
+          <ac:chgData name="P L" userId="556282e3752c74c5" providerId="LiveId" clId="{673FF5AA-BC8A-40B1-B243-5C41C98D4BAA}" dt="2023-01-23T01:41:35.169" v="3029" actId="790"/>
+          <ac:spMkLst>
+            <pc:docMk/>
+            <pc:sldMk cId="1139043464" sldId="279"/>
+            <ac:spMk id="23" creationId="{07199597-FB73-4C73-C2BA-898E8294790D}"/>
+          </ac:spMkLst>
+        </pc:spChg>
+        <pc:spChg chg="add del mod">
+          <ac:chgData name="P L" userId="556282e3752c74c5" providerId="LiveId" clId="{673FF5AA-BC8A-40B1-B243-5C41C98D4BAA}" dt="2023-01-23T01:40:40.769" v="2974" actId="478"/>
+          <ac:spMkLst>
+            <pc:docMk/>
+            <pc:sldMk cId="1139043464" sldId="279"/>
+            <ac:spMk id="25" creationId="{EAEAB3B3-F960-F18F-C7E5-B64F58047611}"/>
+          </ac:spMkLst>
+        </pc:spChg>
+        <pc:spChg chg="del mod ord">
+          <ac:chgData name="P L" userId="556282e3752c74c5" providerId="LiveId" clId="{673FF5AA-BC8A-40B1-B243-5C41C98D4BAA}" dt="2023-01-23T01:40:19.883" v="2963" actId="478"/>
+          <ac:spMkLst>
+            <pc:docMk/>
+            <pc:sldMk cId="1139043464" sldId="279"/>
+            <ac:spMk id="115" creationId="{D328ED67-05E4-4380-99B0-44D2DEB5311C}"/>
+          </ac:spMkLst>
+        </pc:spChg>
+        <pc:spChg chg="del mod ord">
+          <ac:chgData name="P L" userId="556282e3752c74c5" providerId="LiveId" clId="{673FF5AA-BC8A-40B1-B243-5C41C98D4BAA}" dt="2023-01-23T01:40:39.070" v="2973" actId="478"/>
+          <ac:spMkLst>
+            <pc:docMk/>
+            <pc:sldMk cId="1139043464" sldId="279"/>
+            <ac:spMk id="122" creationId="{8025CF59-5347-93CB-CBBD-12B8ADFAB12E}"/>
+          </ac:spMkLst>
+        </pc:spChg>
+        <pc:spChg chg="add del">
+          <ac:chgData name="P L" userId="556282e3752c74c5" providerId="LiveId" clId="{673FF5AA-BC8A-40B1-B243-5C41C98D4BAA}" dt="2023-01-23T01:36:49.572" v="2922" actId="26606"/>
+          <ac:spMkLst>
+            <pc:docMk/>
+            <pc:sldMk cId="1139043464" sldId="279"/>
+            <ac:spMk id="124" creationId="{4A4ACB84-08DC-8325-44D5-FFE7A5814B87}"/>
+          </ac:spMkLst>
+        </pc:spChg>
+        <pc:spChg chg="add del">
+          <ac:chgData name="P L" userId="556282e3752c74c5" providerId="LiveId" clId="{673FF5AA-BC8A-40B1-B243-5C41C98D4BAA}" dt="2023-01-23T01:36:49.572" v="2922" actId="26606"/>
+          <ac:spMkLst>
+            <pc:docMk/>
+            <pc:sldMk cId="1139043464" sldId="279"/>
+            <ac:spMk id="125" creationId="{C9600037-C7D1-352F-C698-F18C51915214}"/>
+          </ac:spMkLst>
+        </pc:spChg>
+        <pc:spChg chg="add del">
+          <ac:chgData name="P L" userId="556282e3752c74c5" providerId="LiveId" clId="{673FF5AA-BC8A-40B1-B243-5C41C98D4BAA}" dt="2023-01-23T01:36:49.572" v="2922" actId="26606"/>
+          <ac:spMkLst>
+            <pc:docMk/>
+            <pc:sldMk cId="1139043464" sldId="279"/>
+            <ac:spMk id="126" creationId="{73C30B55-5F88-7B01-CA5C-A0C659ABE027}"/>
+          </ac:spMkLst>
+        </pc:spChg>
+        <pc:spChg chg="add del mod">
+          <ac:chgData name="P L" userId="556282e3752c74c5" providerId="LiveId" clId="{673FF5AA-BC8A-40B1-B243-5C41C98D4BAA}" dt="2023-01-23T01:34:51.674" v="2897" actId="26606"/>
+          <ac:spMkLst>
+            <pc:docMk/>
+            <pc:sldMk cId="1139043464" sldId="279"/>
+            <ac:spMk id="127" creationId="{11EA88B3-571D-61CD-E1D3-067CEF4E1100}"/>
+          </ac:spMkLst>
+        </pc:spChg>
+        <pc:spChg chg="add del">
+          <ac:chgData name="P L" userId="556282e3752c74c5" providerId="LiveId" clId="{673FF5AA-BC8A-40B1-B243-5C41C98D4BAA}" dt="2023-01-23T01:36:49.572" v="2922" actId="26606"/>
+          <ac:spMkLst>
+            <pc:docMk/>
+            <pc:sldMk cId="1139043464" sldId="279"/>
+            <ac:spMk id="128" creationId="{AA8F2958-FD0A-7524-5173-F72E8F4CD9F5}"/>
+          </ac:spMkLst>
+        </pc:spChg>
+        <pc:spChg chg="add del mod">
+          <ac:chgData name="P L" userId="556282e3752c74c5" providerId="LiveId" clId="{673FF5AA-BC8A-40B1-B243-5C41C98D4BAA}" dt="2023-01-23T01:34:51.674" v="2897" actId="26606"/>
+          <ac:spMkLst>
+            <pc:docMk/>
+            <pc:sldMk cId="1139043464" sldId="279"/>
+            <ac:spMk id="129" creationId="{5C2D4539-DFC7-547C-A97A-B4D6EEBF92E8}"/>
+          </ac:spMkLst>
+        </pc:spChg>
+        <pc:spChg chg="add del mod">
+          <ac:chgData name="P L" userId="556282e3752c74c5" providerId="LiveId" clId="{673FF5AA-BC8A-40B1-B243-5C41C98D4BAA}" dt="2023-01-23T01:34:51.674" v="2897" actId="26606"/>
+          <ac:spMkLst>
+            <pc:docMk/>
+            <pc:sldMk cId="1139043464" sldId="279"/>
+            <ac:spMk id="131" creationId="{7E3C3BAE-70E8-B06C-7E01-FFE0F57E45A3}"/>
+          </ac:spMkLst>
+        </pc:spChg>
+        <pc:spChg chg="add del mod">
+          <ac:chgData name="P L" userId="556282e3752c74c5" providerId="LiveId" clId="{673FF5AA-BC8A-40B1-B243-5C41C98D4BAA}" dt="2023-01-23T01:34:51.674" v="2897" actId="26606"/>
+          <ac:spMkLst>
+            <pc:docMk/>
+            <pc:sldMk cId="1139043464" sldId="279"/>
+            <ac:spMk id="133" creationId="{393DBD90-7A73-60F7-A4FE-4636CAA16745}"/>
+          </ac:spMkLst>
+        </pc:spChg>
+        <pc:spChg chg="add del mod">
+          <ac:chgData name="P L" userId="556282e3752c74c5" providerId="LiveId" clId="{673FF5AA-BC8A-40B1-B243-5C41C98D4BAA}" dt="2023-01-23T01:34:51.674" v="2897" actId="26606"/>
+          <ac:spMkLst>
+            <pc:docMk/>
+            <pc:sldMk cId="1139043464" sldId="279"/>
+            <ac:spMk id="135" creationId="{E0C3B94D-CC67-7C89-05B1-FC2EC2773F39}"/>
+          </ac:spMkLst>
+        </pc:spChg>
+        <pc:spChg chg="add del mod">
+          <ac:chgData name="P L" userId="556282e3752c74c5" providerId="LiveId" clId="{673FF5AA-BC8A-40B1-B243-5C41C98D4BAA}" dt="2023-01-23T01:36:07.161" v="2910" actId="478"/>
+          <ac:spMkLst>
+            <pc:docMk/>
+            <pc:sldMk cId="1139043464" sldId="279"/>
+            <ac:spMk id="140" creationId="{6BF48DE5-14BF-7E3D-191E-6C02E4AB0B7C}"/>
+          </ac:spMkLst>
+        </pc:spChg>
+        <pc:spChg chg="add del mod">
+          <ac:chgData name="P L" userId="556282e3752c74c5" providerId="LiveId" clId="{673FF5AA-BC8A-40B1-B243-5C41C98D4BAA}" dt="2023-01-23T01:36:09.402" v="2911" actId="478"/>
+          <ac:spMkLst>
+            <pc:docMk/>
+            <pc:sldMk cId="1139043464" sldId="279"/>
+            <ac:spMk id="142" creationId="{9CFF9DDD-4FEB-7D41-72B1-12B84B8350CA}"/>
+          </ac:spMkLst>
+        </pc:spChg>
+        <pc:spChg chg="add del mod">
+          <ac:chgData name="P L" userId="556282e3752c74c5" providerId="LiveId" clId="{673FF5AA-BC8A-40B1-B243-5C41C98D4BAA}" dt="2023-01-23T01:35:46.703" v="2899" actId="931"/>
+          <ac:spMkLst>
+            <pc:docMk/>
+            <pc:sldMk cId="1139043464" sldId="279"/>
+            <ac:spMk id="144" creationId="{22BAF025-9539-301C-69FD-BA56B6236AD9}"/>
+          </ac:spMkLst>
+        </pc:spChg>
+        <pc:spChg chg="add del mod">
+          <ac:chgData name="P L" userId="556282e3752c74c5" providerId="LiveId" clId="{673FF5AA-BC8A-40B1-B243-5C41C98D4BAA}" dt="2023-01-23T01:36:05.210" v="2909" actId="478"/>
+          <ac:spMkLst>
+            <pc:docMk/>
+            <pc:sldMk cId="1139043464" sldId="279"/>
+            <ac:spMk id="146" creationId="{E3625225-8D09-97C8-8E98-14D3E61F1FE6}"/>
+          </ac:spMkLst>
+        </pc:spChg>
+        <pc:picChg chg="add del mod">
+          <ac:chgData name="P L" userId="556282e3752c74c5" providerId="LiveId" clId="{673FF5AA-BC8A-40B1-B243-5C41C98D4BAA}" dt="2023-01-23T01:37:00.883" v="2923" actId="478"/>
+          <ac:picMkLst>
+            <pc:docMk/>
+            <pc:sldMk cId="1139043464" sldId="279"/>
+            <ac:picMk id="3" creationId="{80B865A5-5E29-A524-8B05-DFB4E34EB004}"/>
+          </ac:picMkLst>
+        </pc:picChg>
+        <pc:picChg chg="add del mod">
+          <ac:chgData name="P L" userId="556282e3752c74c5" providerId="LiveId" clId="{673FF5AA-BC8A-40B1-B243-5C41C98D4BAA}" dt="2023-01-23T01:38:10.420" v="2927" actId="478"/>
+          <ac:picMkLst>
+            <pc:docMk/>
+            <pc:sldMk cId="1139043464" sldId="279"/>
+            <ac:picMk id="7" creationId="{087AF540-6EC6-5055-C209-01147322C28E}"/>
+          </ac:picMkLst>
+        </pc:picChg>
+        <pc:picChg chg="add mod">
+          <ac:chgData name="P L" userId="556282e3752c74c5" providerId="LiveId" clId="{673FF5AA-BC8A-40B1-B243-5C41C98D4BAA}" dt="2023-01-23T01:40:54.054" v="2978" actId="14100"/>
+          <ac:picMkLst>
+            <pc:docMk/>
+            <pc:sldMk cId="1139043464" sldId="279"/>
+            <ac:picMk id="11" creationId="{342BF652-6C8A-1174-180B-7D3FAC3F1B6D}"/>
+          </ac:picMkLst>
+        </pc:picChg>
+        <pc:picChg chg="del mod">
+          <ac:chgData name="P L" userId="556282e3752c74c5" providerId="LiveId" clId="{673FF5AA-BC8A-40B1-B243-5C41C98D4BAA}" dt="2023-01-23T01:35:27.570" v="2898" actId="478"/>
+          <ac:picMkLst>
+            <pc:docMk/>
+            <pc:sldMk cId="1139043464" sldId="279"/>
+            <ac:picMk id="12" creationId="{A3276756-54F5-F0B9-96AA-BEE09446290D}"/>
+          </ac:picMkLst>
+        </pc:picChg>
+      </pc:sldChg>
+      <pc:sldChg chg="addSp delSp modSp add mod ord">
+        <pc:chgData name="P L" userId="556282e3752c74c5" providerId="LiveId" clId="{673FF5AA-BC8A-40B1-B243-5C41C98D4BAA}" dt="2023-01-23T02:00:34.256" v="3390" actId="20577"/>
+        <pc:sldMkLst>
+          <pc:docMk/>
+          <pc:sldMk cId="3812800835" sldId="280"/>
+        </pc:sldMkLst>
+        <pc:spChg chg="mod ord">
+          <ac:chgData name="P L" userId="556282e3752c74c5" providerId="LiveId" clId="{673FF5AA-BC8A-40B1-B243-5C41C98D4BAA}" dt="2023-01-23T01:52:49.993" v="3358" actId="20577"/>
+          <ac:spMkLst>
+            <pc:docMk/>
+            <pc:sldMk cId="3812800835" sldId="280"/>
+            <ac:spMk id="14" creationId="{2435A574-EC9F-4321-9CA3-5D765C30B3E2}"/>
+          </ac:spMkLst>
+        </pc:spChg>
+        <pc:spChg chg="mod ord">
+          <ac:chgData name="P L" userId="556282e3752c74c5" providerId="LiveId" clId="{673FF5AA-BC8A-40B1-B243-5C41C98D4BAA}" dt="2023-01-23T01:52:12.138" v="3355" actId="255"/>
+          <ac:spMkLst>
+            <pc:docMk/>
+            <pc:sldMk cId="3812800835" sldId="280"/>
+            <ac:spMk id="115" creationId="{D328ED67-05E4-4380-99B0-44D2DEB5311C}"/>
+          </ac:spMkLst>
+        </pc:spChg>
+        <pc:spChg chg="add del">
+          <ac:chgData name="P L" userId="556282e3752c74c5" providerId="LiveId" clId="{673FF5AA-BC8A-40B1-B243-5C41C98D4BAA}" dt="2023-01-23T01:50:34.138" v="3188" actId="478"/>
+          <ac:spMkLst>
+            <pc:docMk/>
+            <pc:sldMk cId="3812800835" sldId="280"/>
+            <ac:spMk id="120" creationId="{D5D8CDB1-D119-6D25-8B87-483ED3A34412}"/>
+          </ac:spMkLst>
+        </pc:spChg>
+        <pc:spChg chg="add mod">
+          <ac:chgData name="P L" userId="556282e3752c74c5" providerId="LiveId" clId="{673FF5AA-BC8A-40B1-B243-5C41C98D4BAA}" dt="2023-01-23T01:52:08.459" v="3354" actId="255"/>
+          <ac:spMkLst>
+            <pc:docMk/>
+            <pc:sldMk cId="3812800835" sldId="280"/>
+            <ac:spMk id="122" creationId="{BCE4E445-475C-B869-D02A-A4D18A3DA3F3}"/>
+          </ac:spMkLst>
+        </pc:spChg>
+        <pc:spChg chg="add mod">
+          <ac:chgData name="P L" userId="556282e3752c74c5" providerId="LiveId" clId="{673FF5AA-BC8A-40B1-B243-5C41C98D4BAA}" dt="2023-01-23T02:00:34.256" v="3390" actId="20577"/>
+          <ac:spMkLst>
+            <pc:docMk/>
+            <pc:sldMk cId="3812800835" sldId="280"/>
+            <ac:spMk id="124" creationId="{10011787-9D02-3009-4942-FE8F846141D4}"/>
+          </ac:spMkLst>
+        </pc:spChg>
+        <pc:picChg chg="mod">
+          <ac:chgData name="P L" userId="556282e3752c74c5" providerId="LiveId" clId="{673FF5AA-BC8A-40B1-B243-5C41C98D4BAA}" dt="2023-01-23T01:46:04.529" v="3033" actId="26606"/>
+          <ac:picMkLst>
+            <pc:docMk/>
+            <pc:sldMk cId="3812800835" sldId="280"/>
+            <ac:picMk id="7" creationId="{1E006552-A299-4408-9F54-B196F5056EA4}"/>
+          </ac:picMkLst>
+        </pc:picChg>
+        <pc:picChg chg="del mod">
+          <ac:chgData name="P L" userId="556282e3752c74c5" providerId="LiveId" clId="{673FF5AA-BC8A-40B1-B243-5C41C98D4BAA}" dt="2023-01-23T01:50:37.025" v="3189" actId="478"/>
+          <ac:picMkLst>
+            <pc:docMk/>
+            <pc:sldMk cId="3812800835" sldId="280"/>
+            <ac:picMk id="9" creationId="{41A56112-F44D-6534-1071-6A2C5713DEF6}"/>
+          </ac:picMkLst>
+        </pc:picChg>
+        <pc:picChg chg="mod">
+          <ac:chgData name="P L" userId="556282e3752c74c5" providerId="LiveId" clId="{673FF5AA-BC8A-40B1-B243-5C41C98D4BAA}" dt="2023-01-23T01:46:04.529" v="3033" actId="26606"/>
+          <ac:picMkLst>
+            <pc:docMk/>
+            <pc:sldMk cId="3812800835" sldId="280"/>
+            <ac:picMk id="25" creationId="{3A866D61-5A53-48A0-9828-C82CDA027DCB}"/>
+          </ac:picMkLst>
+        </pc:picChg>
+      </pc:sldChg>
+    </pc:docChg>
+  </pc:docChgLst>
+  <pc:docChgLst>
+    <pc:chgData name="An, Jingyu" userId="S::2228416@johnabbottcollege.net::83674325-28b5-41cf-a768-8206d6ef2d63" providerId="AD" clId="Web-{A77BD34F-F167-4EBD-AF64-11D466089924}"/>
+    <pc:docChg chg="addSld delSld modSld sldOrd">
+      <pc:chgData name="An, Jingyu" userId="S::2228416@johnabbottcollege.net::83674325-28b5-41cf-a768-8206d6ef2d63" providerId="AD" clId="Web-{A77BD34F-F167-4EBD-AF64-11D466089924}" dt="2023-01-23T02:33:58.338" v="61"/>
+      <pc:docMkLst>
+        <pc:docMk/>
+      </pc:docMkLst>
+      <pc:sldChg chg="del">
+        <pc:chgData name="An, Jingyu" userId="S::2228416@johnabbottcollege.net::83674325-28b5-41cf-a768-8206d6ef2d63" providerId="AD" clId="Web-{A77BD34F-F167-4EBD-AF64-11D466089924}" dt="2023-01-23T02:25:34.958" v="47"/>
+        <pc:sldMkLst>
+          <pc:docMk/>
+          <pc:sldMk cId="1120956423" sldId="277"/>
+        </pc:sldMkLst>
+      </pc:sldChg>
+      <pc:sldChg chg="addSp modSp ord">
+        <pc:chgData name="An, Jingyu" userId="S::2228416@johnabbottcollege.net::83674325-28b5-41cf-a768-8206d6ef2d63" providerId="AD" clId="Web-{A77BD34F-F167-4EBD-AF64-11D466089924}" dt="2023-01-23T02:33:41.510" v="58"/>
+        <pc:sldMkLst>
+          <pc:docMk/>
+          <pc:sldMk cId="1139043464" sldId="279"/>
+        </pc:sldMkLst>
+        <pc:picChg chg="add mod">
+          <ac:chgData name="An, Jingyu" userId="S::2228416@johnabbottcollege.net::83674325-28b5-41cf-a768-8206d6ef2d63" providerId="AD" clId="Web-{A77BD34F-F167-4EBD-AF64-11D466089924}" dt="2023-01-23T02:21:59.256" v="16" actId="1076"/>
+          <ac:picMkLst>
+            <pc:docMk/>
+            <pc:sldMk cId="1139043464" sldId="279"/>
+            <ac:picMk id="2" creationId="{507BC0CF-4912-876A-D240-17A288E09CE1}"/>
+          </ac:picMkLst>
+        </pc:picChg>
+      </pc:sldChg>
+      <pc:sldChg chg="add ord">
+        <pc:chgData name="An, Jingyu" userId="S::2228416@johnabbottcollege.net::83674325-28b5-41cf-a768-8206d6ef2d63" providerId="AD" clId="Web-{A77BD34F-F167-4EBD-AF64-11D466089924}" dt="2023-01-23T02:33:58.338" v="61"/>
+        <pc:sldMkLst>
+          <pc:docMk/>
+          <pc:sldMk cId="1454451406" sldId="281"/>
+        </pc:sldMkLst>
+      </pc:sldChg>
+      <pc:sldChg chg="add ord">
+        <pc:chgData name="An, Jingyu" userId="S::2228416@johnabbottcollege.net::83674325-28b5-41cf-a768-8206d6ef2d63" providerId="AD" clId="Web-{A77BD34F-F167-4EBD-AF64-11D466089924}" dt="2023-01-23T02:33:56.103" v="60"/>
+        <pc:sldMkLst>
+          <pc:docMk/>
+          <pc:sldMk cId="974872934" sldId="282"/>
+        </pc:sldMkLst>
+      </pc:sldChg>
+      <pc:sldChg chg="addSp delSp modSp add ord">
+        <pc:chgData name="An, Jingyu" userId="S::2228416@johnabbottcollege.net::83674325-28b5-41cf-a768-8206d6ef2d63" providerId="AD" clId="Web-{A77BD34F-F167-4EBD-AF64-11D466089924}" dt="2023-01-23T02:33:21.479" v="57" actId="20577"/>
+        <pc:sldMkLst>
+          <pc:docMk/>
+          <pc:sldMk cId="3355991885" sldId="283"/>
+        </pc:sldMkLst>
+        <pc:spChg chg="add del mod">
+          <ac:chgData name="An, Jingyu" userId="S::2228416@johnabbottcollege.net::83674325-28b5-41cf-a768-8206d6ef2d63" providerId="AD" clId="Web-{A77BD34F-F167-4EBD-AF64-11D466089924}" dt="2023-01-23T02:24:52.318" v="29"/>
+          <ac:spMkLst>
+            <pc:docMk/>
+            <pc:sldMk cId="3355991885" sldId="283"/>
+            <ac:spMk id="3" creationId="{B2CA9243-0765-29F1-E65C-92C858C44659}"/>
+          </ac:spMkLst>
+        </pc:spChg>
+        <pc:spChg chg="mod">
+          <ac:chgData name="An, Jingyu" userId="S::2228416@johnabbottcollege.net::83674325-28b5-41cf-a768-8206d6ef2d63" providerId="AD" clId="Web-{A77BD34F-F167-4EBD-AF64-11D466089924}" dt="2023-01-23T02:33:21.479" v="57" actId="20577"/>
+          <ac:spMkLst>
+            <pc:docMk/>
+            <pc:sldMk cId="3355991885" sldId="283"/>
+            <ac:spMk id="8" creationId="{CE0778C9-624B-412C-B5F9-3F9B35308E3E}"/>
+          </ac:spMkLst>
+        </pc:spChg>
+        <pc:picChg chg="mod">
+          <ac:chgData name="An, Jingyu" userId="S::2228416@johnabbottcollege.net::83674325-28b5-41cf-a768-8206d6ef2d63" providerId="AD" clId="Web-{A77BD34F-F167-4EBD-AF64-11D466089924}" dt="2023-01-23T02:24:51.146" v="28" actId="1076"/>
+          <ac:picMkLst>
+            <pc:docMk/>
+            <pc:sldMk cId="3355991885" sldId="283"/>
+            <ac:picMk id="19" creationId="{7B91F230-CC8F-AF9F-74E8-ECF2BE37840F}"/>
+          </ac:picMkLst>
+        </pc:picChg>
+        <pc:picChg chg="add del">
+          <ac:chgData name="An, Jingyu" userId="S::2228416@johnabbottcollege.net::83674325-28b5-41cf-a768-8206d6ef2d63" providerId="AD" clId="Web-{A77BD34F-F167-4EBD-AF64-11D466089924}" dt="2023-01-23T02:24:52.318" v="29"/>
+          <ac:picMkLst>
+            <pc:docMk/>
+            <pc:sldMk cId="3355991885" sldId="283"/>
+            <ac:picMk id="22" creationId="{678BA761-F5EC-3FBA-FC59-A98CC049F834}"/>
+          </ac:picMkLst>
+        </pc:picChg>
+      </pc:sldChg>
+      <pc:sldChg chg="ord">
+        <pc:chgData name="An, Jingyu" userId="S::2228416@johnabbottcollege.net::83674325-28b5-41cf-a768-8206d6ef2d63" providerId="AD" clId="Web-{A77BD34F-F167-4EBD-AF64-11D466089924}" dt="2023-01-23T02:25:43.426" v="48"/>
+        <pc:sldMkLst>
+          <pc:docMk/>
+          <pc:sldMk cId="215583327" sldId="284"/>
+        </pc:sldMkLst>
+      </pc:sldChg>
+      <pc:sldChg chg="ord">
+        <pc:chgData name="An, Jingyu" userId="S::2228416@johnabbottcollege.net::83674325-28b5-41cf-a768-8206d6ef2d63" providerId="AD" clId="Web-{A77BD34F-F167-4EBD-AF64-11D466089924}" dt="2023-01-23T02:29:54.624" v="50"/>
+        <pc:sldMkLst>
+          <pc:docMk/>
+          <pc:sldMk cId="1561508570" sldId="285"/>
+        </pc:sldMkLst>
+      </pc:sldChg>
+      <pc:sldChg chg="ord">
+        <pc:chgData name="An, Jingyu" userId="S::2228416@johnabbottcollege.net::83674325-28b5-41cf-a768-8206d6ef2d63" providerId="AD" clId="Web-{A77BD34F-F167-4EBD-AF64-11D466089924}" dt="2023-01-23T02:33:51.947" v="59"/>
+        <pc:sldMkLst>
+          <pc:docMk/>
+          <pc:sldMk cId="3127272440" sldId="286"/>
+        </pc:sldMkLst>
+      </pc:sldChg>
+      <pc:sldChg chg="addSp delSp modSp">
+        <pc:chgData name="An, Jingyu" userId="S::2228416@johnabbottcollege.net::83674325-28b5-41cf-a768-8206d6ef2d63" providerId="AD" clId="Web-{A77BD34F-F167-4EBD-AF64-11D466089924}" dt="2023-01-23T02:23:27.101" v="23"/>
+        <pc:sldMkLst>
+          <pc:docMk/>
+          <pc:sldMk cId="3238066584" sldId="287"/>
+        </pc:sldMkLst>
+        <pc:spChg chg="add mod">
+          <ac:chgData name="An, Jingyu" userId="S::2228416@johnabbottcollege.net::83674325-28b5-41cf-a768-8206d6ef2d63" providerId="AD" clId="Web-{A77BD34F-F167-4EBD-AF64-11D466089924}" dt="2023-01-23T02:23:27.101" v="23"/>
+          <ac:spMkLst>
+            <pc:docMk/>
+            <pc:sldMk cId="3238066584" sldId="287"/>
+            <ac:spMk id="13" creationId="{CA535638-9E60-37E1-A18C-898BE079A987}"/>
+          </ac:spMkLst>
+        </pc:spChg>
+        <pc:picChg chg="del">
+          <ac:chgData name="An, Jingyu" userId="S::2228416@johnabbottcollege.net::83674325-28b5-41cf-a768-8206d6ef2d63" providerId="AD" clId="Web-{A77BD34F-F167-4EBD-AF64-11D466089924}" dt="2023-01-23T02:23:27.101" v="23"/>
+          <ac:picMkLst>
+            <pc:docMk/>
+            <pc:sldMk cId="3238066584" sldId="287"/>
+            <ac:picMk id="10" creationId="{460BC378-C70A-2E76-8397-AB2D967C934E}"/>
+          </ac:picMkLst>
+        </pc:picChg>
+        <pc:picChg chg="add mod">
+          <ac:chgData name="An, Jingyu" userId="S::2228416@johnabbottcollege.net::83674325-28b5-41cf-a768-8206d6ef2d63" providerId="AD" clId="Web-{A77BD34F-F167-4EBD-AF64-11D466089924}" dt="2023-01-23T02:23:23.788" v="22" actId="1076"/>
+          <ac:picMkLst>
+            <pc:docMk/>
+            <pc:sldMk cId="3238066584" sldId="287"/>
+            <ac:picMk id="11" creationId="{F42B5084-7A07-4F16-C3F1-A182302043C2}"/>
+          </ac:picMkLst>
+        </pc:picChg>
       </pc:sldChg>
     </pc:docChg>
   </pc:docChgLst>
@@ -1652,7 +1676,7 @@
           <a:p>
             <a:fld id="{BE668B7C-E4CD-4872-B084-44133F808FCE}" type="datetimeFigureOut">
               <a:rPr lang="en-US" smtClean="0"/>
-              <a:t>1/22/2023</a:t>
+              <a:t>1/23/2023</a:t>
             </a:fld>
             <a:endParaRPr lang="en-US"/>
           </a:p>
@@ -1829,7 +1853,7 @@
           <a:p>
             <a:fld id="{6733D5BD-E30B-48AB-B24F-3878C333D518}" type="datetimeFigureOut">
               <a:rPr lang="en-US" smtClean="0"/>
-              <a:t>1/22/2023</a:t>
+              <a:t>1/23/2023</a:t>
             </a:fld>
             <a:endParaRPr lang="en-US"/>
           </a:p>
@@ -6902,53 +6926,39 @@
               <a:buChar char="•"/>
             </a:pPr>
             <a:r>
+              <a:rPr lang="en-US" sz="1400" dirty="0">
+                <a:cs typeface="Arial"/>
+              </a:rPr>
+              <a:t>Micro Service: Separate all the functions into sperate files/folders. Important for troubleshooting and low coupling</a:t>
+            </a:r>
+            <a:r>
               <a:rPr lang="en-US" sz="1400">
                 <a:cs typeface="Arial"/>
               </a:rPr>
-              <a:t>Micro Service: Separate all the functions into sperate files/folders. Important for troubleshooting and low coupling. </a:t>
-            </a:r>
-            <a:endParaRPr lang="en-US" sz="1400"/>
-          </a:p>
-          <a:p>
-            <a:pPr marL="171450" indent="-171450">
-              <a:buFont typeface="Arial" panose="020B0604020202020204" pitchFamily="34" charset="0"/>
-              <a:buChar char="•"/>
-            </a:pPr>
-            <a:r>
-              <a:rPr lang="en-US" sz="1400">
-                <a:cs typeface="Arial"/>
-              </a:rPr>
-              <a:t>Overall cleaner code. </a:t>
-            </a:r>
-            <a:endParaRPr lang="en-US" sz="1400"/>
-          </a:p>
-          <a:p>
-            <a:pPr marL="171450" indent="-171450">
-              <a:buFont typeface="Arial" panose="020B0604020202020204" pitchFamily="34" charset="0"/>
-              <a:buChar char="•"/>
-            </a:pPr>
-            <a:endParaRPr lang="en-US" sz="1400"/>
+              <a:t>. </a:t>
+            </a:r>
+            <a:endParaRPr lang="en-US" sz="1400" dirty="0"/>
           </a:p>
           <a:p>
             <a:pPr marL="171450" indent="-171450">
               <a:buChar char="•"/>
             </a:pPr>
-            <a:endParaRPr lang="en-US" sz="1400"/>
+            <a:endParaRPr lang="en-US" sz="1400" dirty="0"/>
           </a:p>
           <a:p>
             <a:pPr marL="171450" indent="-171450">
               <a:buChar char="•"/>
             </a:pPr>
-            <a:endParaRPr lang="en-US" sz="1400"/>
+            <a:endParaRPr lang="en-US" sz="1400" dirty="0"/>
           </a:p>
           <a:p>
             <a:pPr marL="171450" indent="-171450">
               <a:buChar char="•"/>
             </a:pPr>
-            <a:endParaRPr lang="en-US" sz="1400"/>
-          </a:p>
-          <a:p>
-            <a:endParaRPr lang="en-US" sz="1400"/>
+            <a:endParaRPr lang="en-US" sz="1400" dirty="0"/>
+          </a:p>
+          <a:p>
+            <a:endParaRPr lang="en-US" sz="1400" dirty="0"/>
           </a:p>
         </p:txBody>
       </p:sp>
